--- a/docs/diagrams.pptx
+++ b/docs/diagrams.pptx
@@ -6,6 +6,9 @@
   </p:sldMasterIdLst>
   <p:sldIdLst>
     <p:sldId id="256" r:id="rId2"/>
+    <p:sldId id="257" r:id="rId3"/>
+    <p:sldId id="259" r:id="rId4"/>
+    <p:sldId id="258" r:id="rId5"/>
   </p:sldIdLst>
   <p:sldSz cx="12192000" cy="6858000"/>
   <p:notesSz cx="6858000" cy="9144000"/>
@@ -104,6 +107,11 @@
       </a:defRPr>
     </a:lvl9pPr>
   </p:defaultTextStyle>
+  <p:extLst>
+    <p:ext uri="{EFAFB233-063F-42B5-8137-9DF3F51BA10A}">
+      <p15:sldGuideLst xmlns:p15="http://schemas.microsoft.com/office/powerpoint/2012/main"/>
+    </p:ext>
+  </p:extLst>
 </p:presentation>
 </file>
 
@@ -254,7 +262,7 @@
           <a:p>
             <a:fld id="{8811BE9B-95C8-4FFC-8F1E-7F382146A592}" type="datetimeFigureOut">
               <a:rPr lang="zh-TW" altLang="en-US" smtClean="0"/>
-              <a:t>2023/10/9</a:t>
+              <a:t>2023/10/21</a:t>
             </a:fld>
             <a:endParaRPr lang="zh-TW" altLang="en-US"/>
           </a:p>
@@ -452,7 +460,7 @@
           <a:p>
             <a:fld id="{8811BE9B-95C8-4FFC-8F1E-7F382146A592}" type="datetimeFigureOut">
               <a:rPr lang="zh-TW" altLang="en-US" smtClean="0"/>
-              <a:t>2023/10/9</a:t>
+              <a:t>2023/10/21</a:t>
             </a:fld>
             <a:endParaRPr lang="zh-TW" altLang="en-US"/>
           </a:p>
@@ -660,7 +668,7 @@
           <a:p>
             <a:fld id="{8811BE9B-95C8-4FFC-8F1E-7F382146A592}" type="datetimeFigureOut">
               <a:rPr lang="zh-TW" altLang="en-US" smtClean="0"/>
-              <a:t>2023/10/9</a:t>
+              <a:t>2023/10/21</a:t>
             </a:fld>
             <a:endParaRPr lang="zh-TW" altLang="en-US"/>
           </a:p>
@@ -858,7 +866,7 @@
           <a:p>
             <a:fld id="{8811BE9B-95C8-4FFC-8F1E-7F382146A592}" type="datetimeFigureOut">
               <a:rPr lang="zh-TW" altLang="en-US" smtClean="0"/>
-              <a:t>2023/10/9</a:t>
+              <a:t>2023/10/21</a:t>
             </a:fld>
             <a:endParaRPr lang="zh-TW" altLang="en-US"/>
           </a:p>
@@ -1133,7 +1141,7 @@
           <a:p>
             <a:fld id="{8811BE9B-95C8-4FFC-8F1E-7F382146A592}" type="datetimeFigureOut">
               <a:rPr lang="zh-TW" altLang="en-US" smtClean="0"/>
-              <a:t>2023/10/9</a:t>
+              <a:t>2023/10/21</a:t>
             </a:fld>
             <a:endParaRPr lang="zh-TW" altLang="en-US"/>
           </a:p>
@@ -1398,7 +1406,7 @@
           <a:p>
             <a:fld id="{8811BE9B-95C8-4FFC-8F1E-7F382146A592}" type="datetimeFigureOut">
               <a:rPr lang="zh-TW" altLang="en-US" smtClean="0"/>
-              <a:t>2023/10/9</a:t>
+              <a:t>2023/10/21</a:t>
             </a:fld>
             <a:endParaRPr lang="zh-TW" altLang="en-US"/>
           </a:p>
@@ -1810,7 +1818,7 @@
           <a:p>
             <a:fld id="{8811BE9B-95C8-4FFC-8F1E-7F382146A592}" type="datetimeFigureOut">
               <a:rPr lang="zh-TW" altLang="en-US" smtClean="0"/>
-              <a:t>2023/10/9</a:t>
+              <a:t>2023/10/21</a:t>
             </a:fld>
             <a:endParaRPr lang="zh-TW" altLang="en-US"/>
           </a:p>
@@ -1951,7 +1959,7 @@
           <a:p>
             <a:fld id="{8811BE9B-95C8-4FFC-8F1E-7F382146A592}" type="datetimeFigureOut">
               <a:rPr lang="zh-TW" altLang="en-US" smtClean="0"/>
-              <a:t>2023/10/9</a:t>
+              <a:t>2023/10/21</a:t>
             </a:fld>
             <a:endParaRPr lang="zh-TW" altLang="en-US"/>
           </a:p>
@@ -2064,7 +2072,7 @@
           <a:p>
             <a:fld id="{8811BE9B-95C8-4FFC-8F1E-7F382146A592}" type="datetimeFigureOut">
               <a:rPr lang="zh-TW" altLang="en-US" smtClean="0"/>
-              <a:t>2023/10/9</a:t>
+              <a:t>2023/10/21</a:t>
             </a:fld>
             <a:endParaRPr lang="zh-TW" altLang="en-US"/>
           </a:p>
@@ -2375,7 +2383,7 @@
           <a:p>
             <a:fld id="{8811BE9B-95C8-4FFC-8F1E-7F382146A592}" type="datetimeFigureOut">
               <a:rPr lang="zh-TW" altLang="en-US" smtClean="0"/>
-              <a:t>2023/10/9</a:t>
+              <a:t>2023/10/21</a:t>
             </a:fld>
             <a:endParaRPr lang="zh-TW" altLang="en-US"/>
           </a:p>
@@ -2663,7 +2671,7 @@
           <a:p>
             <a:fld id="{8811BE9B-95C8-4FFC-8F1E-7F382146A592}" type="datetimeFigureOut">
               <a:rPr lang="zh-TW" altLang="en-US" smtClean="0"/>
-              <a:t>2023/10/9</a:t>
+              <a:t>2023/10/21</a:t>
             </a:fld>
             <a:endParaRPr lang="zh-TW" altLang="en-US"/>
           </a:p>
@@ -2904,7 +2912,7 @@
           <a:p>
             <a:fld id="{8811BE9B-95C8-4FFC-8F1E-7F382146A592}" type="datetimeFigureOut">
               <a:rPr lang="zh-TW" altLang="en-US" smtClean="0"/>
-              <a:t>2023/10/9</a:t>
+              <a:t>2023/10/21</a:t>
             </a:fld>
             <a:endParaRPr lang="zh-TW" altLang="en-US"/>
           </a:p>
@@ -3596,6 +3604,7 @@
           <a:prstGeom prst="roundRect">
             <a:avLst/>
           </a:prstGeom>
+          <a:ln w="19050"/>
         </p:spPr>
         <p:style>
           <a:lnRef idx="2">
@@ -3650,6 +3659,7 @@
           <a:prstGeom prst="roundRect">
             <a:avLst/>
           </a:prstGeom>
+          <a:ln w="19050"/>
         </p:spPr>
         <p:style>
           <a:lnRef idx="2">
@@ -3704,6 +3714,7 @@
           <a:prstGeom prst="roundRect">
             <a:avLst/>
           </a:prstGeom>
+          <a:ln w="19050"/>
         </p:spPr>
         <p:style>
           <a:lnRef idx="2">
@@ -3761,7 +3772,7 @@
           <a:prstGeom prst="straightConnector1">
             <a:avLst/>
           </a:prstGeom>
-          <a:ln>
+          <a:ln w="19050">
             <a:tailEnd type="triangle"/>
           </a:ln>
         </p:spPr>
@@ -3803,7 +3814,7 @@
           <a:prstGeom prst="straightConnector1">
             <a:avLst/>
           </a:prstGeom>
-          <a:ln>
+          <a:ln w="19050">
             <a:tailEnd type="triangle"/>
           </a:ln>
         </p:spPr>
@@ -4000,6 +4011,3294 @@
     <p:extLst>
       <p:ext uri="{BB962C8B-B14F-4D97-AF65-F5344CB8AC3E}">
         <p14:creationId xmlns:p14="http://schemas.microsoft.com/office/powerpoint/2010/main" val="3754350752"/>
+      </p:ext>
+    </p:extLst>
+  </p:cSld>
+  <p:clrMapOvr>
+    <a:masterClrMapping/>
+  </p:clrMapOvr>
+</p:sld>
+</file>
+
+<file path=ppt/slides/slide2.xml><?xml version="1.0" encoding="utf-8"?>
+<p:sld xmlns:a="http://schemas.openxmlformats.org/drawingml/2006/main" xmlns:r="http://schemas.openxmlformats.org/officeDocument/2006/relationships" xmlns:p="http://schemas.openxmlformats.org/presentationml/2006/main">
+  <p:cSld>
+    <p:spTree>
+      <p:nvGrpSpPr>
+        <p:cNvPr id="1" name=""/>
+        <p:cNvGrpSpPr/>
+        <p:nvPr/>
+      </p:nvGrpSpPr>
+      <p:grpSpPr>
+        <a:xfrm>
+          <a:off x="0" y="0"/>
+          <a:ext cx="0" cy="0"/>
+          <a:chOff x="0" y="0"/>
+          <a:chExt cx="0" cy="0"/>
+        </a:xfrm>
+      </p:grpSpPr>
+      <p:cxnSp>
+        <p:nvCxnSpPr>
+          <p:cNvPr id="5" name="直線單箭頭接點 4">
+            <a:extLst>
+              <a:ext uri="{FF2B5EF4-FFF2-40B4-BE49-F238E27FC236}">
+                <a16:creationId xmlns:a16="http://schemas.microsoft.com/office/drawing/2014/main" id="{5D912B6C-4B93-2D40-7EE5-683AF894C5BC}"/>
+              </a:ext>
+            </a:extLst>
+          </p:cNvPr>
+          <p:cNvCxnSpPr/>
+          <p:nvPr/>
+        </p:nvCxnSpPr>
+        <p:spPr>
+          <a:xfrm>
+            <a:off x="296214" y="1738649"/>
+            <a:ext cx="11520152" cy="0"/>
+          </a:xfrm>
+          <a:prstGeom prst="straightConnector1">
+            <a:avLst/>
+          </a:prstGeom>
+          <a:ln>
+            <a:tailEnd type="triangle"/>
+          </a:ln>
+        </p:spPr>
+        <p:style>
+          <a:lnRef idx="1">
+            <a:schemeClr val="accent1"/>
+          </a:lnRef>
+          <a:fillRef idx="0">
+            <a:schemeClr val="accent1"/>
+          </a:fillRef>
+          <a:effectRef idx="0">
+            <a:schemeClr val="accent1"/>
+          </a:effectRef>
+          <a:fontRef idx="minor">
+            <a:schemeClr val="tx1"/>
+          </a:fontRef>
+        </p:style>
+      </p:cxnSp>
+      <p:cxnSp>
+        <p:nvCxnSpPr>
+          <p:cNvPr id="6" name="直線單箭頭接點 5">
+            <a:extLst>
+              <a:ext uri="{FF2B5EF4-FFF2-40B4-BE49-F238E27FC236}">
+                <a16:creationId xmlns:a16="http://schemas.microsoft.com/office/drawing/2014/main" id="{B5B3F04D-E9CF-7D70-5FD2-ECE906EF84F2}"/>
+              </a:ext>
+            </a:extLst>
+          </p:cNvPr>
+          <p:cNvCxnSpPr/>
+          <p:nvPr/>
+        </p:nvCxnSpPr>
+        <p:spPr>
+          <a:xfrm>
+            <a:off x="296214" y="3580335"/>
+            <a:ext cx="11520152" cy="0"/>
+          </a:xfrm>
+          <a:prstGeom prst="straightConnector1">
+            <a:avLst/>
+          </a:prstGeom>
+          <a:ln>
+            <a:tailEnd type="triangle"/>
+          </a:ln>
+        </p:spPr>
+        <p:style>
+          <a:lnRef idx="1">
+            <a:schemeClr val="accent1"/>
+          </a:lnRef>
+          <a:fillRef idx="0">
+            <a:schemeClr val="accent1"/>
+          </a:fillRef>
+          <a:effectRef idx="0">
+            <a:schemeClr val="accent1"/>
+          </a:effectRef>
+          <a:fontRef idx="minor">
+            <a:schemeClr val="tx1"/>
+          </a:fontRef>
+        </p:style>
+      </p:cxnSp>
+      <p:sp>
+        <p:nvSpPr>
+          <p:cNvPr id="7" name="文字方塊 6">
+            <a:extLst>
+              <a:ext uri="{FF2B5EF4-FFF2-40B4-BE49-F238E27FC236}">
+                <a16:creationId xmlns:a16="http://schemas.microsoft.com/office/drawing/2014/main" id="{D83A8EBB-5268-CF6C-B9C4-E48D306BD22D}"/>
+              </a:ext>
+            </a:extLst>
+          </p:cNvPr>
+          <p:cNvSpPr txBox="1"/>
+          <p:nvPr/>
+        </p:nvSpPr>
+        <p:spPr>
+          <a:xfrm>
+            <a:off x="296214" y="1983347"/>
+            <a:ext cx="1845185" cy="369332"/>
+          </a:xfrm>
+          <a:prstGeom prst="rect">
+            <a:avLst/>
+          </a:prstGeom>
+          <a:noFill/>
+        </p:spPr>
+        <p:txBody>
+          <a:bodyPr wrap="none" rtlCol="0">
+            <a:spAutoFit/>
+          </a:bodyPr>
+          <a:lstStyle/>
+          <a:p>
+            <a:r>
+              <a:rPr lang="en-US" altLang="zh-TW" dirty="0"/>
+              <a:t>Command Source</a:t>
+            </a:r>
+            <a:endParaRPr lang="zh-TW" altLang="en-US" dirty="0"/>
+          </a:p>
+        </p:txBody>
+      </p:sp>
+      <p:sp>
+        <p:nvSpPr>
+          <p:cNvPr id="8" name="文字方塊 7">
+            <a:extLst>
+              <a:ext uri="{FF2B5EF4-FFF2-40B4-BE49-F238E27FC236}">
+                <a16:creationId xmlns:a16="http://schemas.microsoft.com/office/drawing/2014/main" id="{19C1E6BD-57E4-B693-DC14-9B79A9CE18FB}"/>
+              </a:ext>
+            </a:extLst>
+          </p:cNvPr>
+          <p:cNvSpPr txBox="1"/>
+          <p:nvPr/>
+        </p:nvSpPr>
+        <p:spPr>
+          <a:xfrm>
+            <a:off x="296214" y="3825032"/>
+            <a:ext cx="1781257" cy="369332"/>
+          </a:xfrm>
+          <a:prstGeom prst="rect">
+            <a:avLst/>
+          </a:prstGeom>
+          <a:noFill/>
+        </p:spPr>
+        <p:txBody>
+          <a:bodyPr wrap="none" rtlCol="0">
+            <a:spAutoFit/>
+          </a:bodyPr>
+          <a:lstStyle/>
+          <a:p>
+            <a:r>
+              <a:rPr lang="en-US" altLang="zh-TW" dirty="0"/>
+              <a:t>Command Buffer</a:t>
+            </a:r>
+            <a:endParaRPr lang="zh-TW" altLang="en-US" dirty="0"/>
+          </a:p>
+        </p:txBody>
+      </p:sp>
+      <p:sp>
+        <p:nvSpPr>
+          <p:cNvPr id="9" name="矩形: 圓角 8">
+            <a:extLst>
+              <a:ext uri="{FF2B5EF4-FFF2-40B4-BE49-F238E27FC236}">
+                <a16:creationId xmlns:a16="http://schemas.microsoft.com/office/drawing/2014/main" id="{594C953C-B0F7-5F9A-A181-D0DCA074CE6A}"/>
+              </a:ext>
+            </a:extLst>
+          </p:cNvPr>
+          <p:cNvSpPr/>
+          <p:nvPr/>
+        </p:nvSpPr>
+        <p:spPr>
+          <a:xfrm>
+            <a:off x="1967999" y="734101"/>
+            <a:ext cx="1052095" cy="759851"/>
+          </a:xfrm>
+          <a:prstGeom prst="roundRect">
+            <a:avLst/>
+          </a:prstGeom>
+        </p:spPr>
+        <p:style>
+          <a:lnRef idx="2">
+            <a:schemeClr val="dk1"/>
+          </a:lnRef>
+          <a:fillRef idx="1">
+            <a:schemeClr val="lt1"/>
+          </a:fillRef>
+          <a:effectRef idx="0">
+            <a:schemeClr val="dk1"/>
+          </a:effectRef>
+          <a:fontRef idx="minor">
+            <a:schemeClr val="dk1"/>
+          </a:fontRef>
+        </p:style>
+        <p:txBody>
+          <a:bodyPr rtlCol="0" anchor="ctr"/>
+          <a:lstStyle/>
+          <a:p>
+            <a:pPr algn="ctr"/>
+            <a:r>
+              <a:rPr lang="en-US" altLang="zh-TW" dirty="0"/>
+              <a:t>#1</a:t>
+            </a:r>
+            <a:endParaRPr lang="zh-TW" altLang="en-US" dirty="0"/>
+          </a:p>
+        </p:txBody>
+      </p:sp>
+      <p:sp>
+        <p:nvSpPr>
+          <p:cNvPr id="10" name="矩形: 圓角 9">
+            <a:extLst>
+              <a:ext uri="{FF2B5EF4-FFF2-40B4-BE49-F238E27FC236}">
+                <a16:creationId xmlns:a16="http://schemas.microsoft.com/office/drawing/2014/main" id="{6949B88F-AE2A-D9EE-85DC-F02B13DBC6B4}"/>
+              </a:ext>
+            </a:extLst>
+          </p:cNvPr>
+          <p:cNvSpPr/>
+          <p:nvPr/>
+        </p:nvSpPr>
+        <p:spPr>
+          <a:xfrm>
+            <a:off x="4627487" y="734101"/>
+            <a:ext cx="1052095" cy="759851"/>
+          </a:xfrm>
+          <a:prstGeom prst="roundRect">
+            <a:avLst/>
+          </a:prstGeom>
+        </p:spPr>
+        <p:style>
+          <a:lnRef idx="2">
+            <a:schemeClr val="dk1"/>
+          </a:lnRef>
+          <a:fillRef idx="1">
+            <a:schemeClr val="lt1"/>
+          </a:fillRef>
+          <a:effectRef idx="0">
+            <a:schemeClr val="dk1"/>
+          </a:effectRef>
+          <a:fontRef idx="minor">
+            <a:schemeClr val="dk1"/>
+          </a:fontRef>
+        </p:style>
+        <p:txBody>
+          <a:bodyPr rtlCol="0" anchor="ctr"/>
+          <a:lstStyle/>
+          <a:p>
+            <a:pPr algn="ctr"/>
+            <a:r>
+              <a:rPr lang="en-US" altLang="zh-TW" dirty="0"/>
+              <a:t>#2</a:t>
+            </a:r>
+            <a:endParaRPr lang="zh-TW" altLang="en-US" dirty="0"/>
+          </a:p>
+        </p:txBody>
+      </p:sp>
+      <p:sp>
+        <p:nvSpPr>
+          <p:cNvPr id="11" name="矩形: 圓角 10">
+            <a:extLst>
+              <a:ext uri="{FF2B5EF4-FFF2-40B4-BE49-F238E27FC236}">
+                <a16:creationId xmlns:a16="http://schemas.microsoft.com/office/drawing/2014/main" id="{45C211B5-4D86-976E-CDFD-D15FD4169BCE}"/>
+              </a:ext>
+            </a:extLst>
+          </p:cNvPr>
+          <p:cNvSpPr/>
+          <p:nvPr/>
+        </p:nvSpPr>
+        <p:spPr>
+          <a:xfrm>
+            <a:off x="7286975" y="734101"/>
+            <a:ext cx="1052095" cy="759851"/>
+          </a:xfrm>
+          <a:prstGeom prst="roundRect">
+            <a:avLst/>
+          </a:prstGeom>
+        </p:spPr>
+        <p:style>
+          <a:lnRef idx="2">
+            <a:schemeClr val="dk1"/>
+          </a:lnRef>
+          <a:fillRef idx="1">
+            <a:schemeClr val="lt1"/>
+          </a:fillRef>
+          <a:effectRef idx="0">
+            <a:schemeClr val="dk1"/>
+          </a:effectRef>
+          <a:fontRef idx="minor">
+            <a:schemeClr val="dk1"/>
+          </a:fontRef>
+        </p:style>
+        <p:txBody>
+          <a:bodyPr rtlCol="0" anchor="ctr"/>
+          <a:lstStyle/>
+          <a:p>
+            <a:pPr algn="ctr"/>
+            <a:r>
+              <a:rPr lang="en-US" altLang="zh-TW" dirty="0"/>
+              <a:t>#3</a:t>
+            </a:r>
+            <a:endParaRPr lang="zh-TW" altLang="en-US" dirty="0"/>
+          </a:p>
+        </p:txBody>
+      </p:sp>
+      <p:cxnSp>
+        <p:nvCxnSpPr>
+          <p:cNvPr id="14" name="接點: 肘形 13">
+            <a:extLst>
+              <a:ext uri="{FF2B5EF4-FFF2-40B4-BE49-F238E27FC236}">
+                <a16:creationId xmlns:a16="http://schemas.microsoft.com/office/drawing/2014/main" id="{CA1DAB66-480A-0095-CF53-20CA7729B20B}"/>
+              </a:ext>
+            </a:extLst>
+          </p:cNvPr>
+          <p:cNvCxnSpPr>
+            <a:stCxn id="9" idx="3"/>
+          </p:cNvCxnSpPr>
+          <p:nvPr/>
+        </p:nvCxnSpPr>
+        <p:spPr>
+          <a:xfrm>
+            <a:off x="3020094" y="1114027"/>
+            <a:ext cx="283337" cy="624622"/>
+          </a:xfrm>
+          <a:prstGeom prst="bentConnector2">
+            <a:avLst/>
+          </a:prstGeom>
+          <a:ln w="19050">
+            <a:tailEnd type="triangle"/>
+          </a:ln>
+        </p:spPr>
+        <p:style>
+          <a:lnRef idx="1">
+            <a:schemeClr val="accent1"/>
+          </a:lnRef>
+          <a:fillRef idx="0">
+            <a:schemeClr val="accent1"/>
+          </a:fillRef>
+          <a:effectRef idx="0">
+            <a:schemeClr val="accent1"/>
+          </a:effectRef>
+          <a:fontRef idx="minor">
+            <a:schemeClr val="tx1"/>
+          </a:fontRef>
+        </p:style>
+      </p:cxnSp>
+      <p:cxnSp>
+        <p:nvCxnSpPr>
+          <p:cNvPr id="16" name="接點: 肘形 15">
+            <a:extLst>
+              <a:ext uri="{FF2B5EF4-FFF2-40B4-BE49-F238E27FC236}">
+                <a16:creationId xmlns:a16="http://schemas.microsoft.com/office/drawing/2014/main" id="{A0CE49D7-3ACA-54DE-69FD-54F225A54E7D}"/>
+              </a:ext>
+            </a:extLst>
+          </p:cNvPr>
+          <p:cNvCxnSpPr>
+            <a:stCxn id="10" idx="3"/>
+          </p:cNvCxnSpPr>
+          <p:nvPr/>
+        </p:nvCxnSpPr>
+        <p:spPr>
+          <a:xfrm>
+            <a:off x="5679582" y="1114027"/>
+            <a:ext cx="257579" cy="624622"/>
+          </a:xfrm>
+          <a:prstGeom prst="bentConnector2">
+            <a:avLst/>
+          </a:prstGeom>
+          <a:ln w="19050">
+            <a:tailEnd type="triangle"/>
+          </a:ln>
+        </p:spPr>
+        <p:style>
+          <a:lnRef idx="1">
+            <a:schemeClr val="accent1"/>
+          </a:lnRef>
+          <a:fillRef idx="0">
+            <a:schemeClr val="accent1"/>
+          </a:fillRef>
+          <a:effectRef idx="0">
+            <a:schemeClr val="accent1"/>
+          </a:effectRef>
+          <a:fontRef idx="minor">
+            <a:schemeClr val="tx1"/>
+          </a:fontRef>
+        </p:style>
+      </p:cxnSp>
+      <p:cxnSp>
+        <p:nvCxnSpPr>
+          <p:cNvPr id="18" name="接點: 肘形 17">
+            <a:extLst>
+              <a:ext uri="{FF2B5EF4-FFF2-40B4-BE49-F238E27FC236}">
+                <a16:creationId xmlns:a16="http://schemas.microsoft.com/office/drawing/2014/main" id="{BCB097CD-1328-0009-5F78-05B62333771A}"/>
+              </a:ext>
+            </a:extLst>
+          </p:cNvPr>
+          <p:cNvCxnSpPr>
+            <a:stCxn id="11" idx="3"/>
+          </p:cNvCxnSpPr>
+          <p:nvPr/>
+        </p:nvCxnSpPr>
+        <p:spPr>
+          <a:xfrm>
+            <a:off x="8339070" y="1114027"/>
+            <a:ext cx="276896" cy="624622"/>
+          </a:xfrm>
+          <a:prstGeom prst="bentConnector2">
+            <a:avLst/>
+          </a:prstGeom>
+          <a:ln w="19050">
+            <a:tailEnd type="triangle"/>
+          </a:ln>
+        </p:spPr>
+        <p:style>
+          <a:lnRef idx="1">
+            <a:schemeClr val="accent1"/>
+          </a:lnRef>
+          <a:fillRef idx="0">
+            <a:schemeClr val="accent1"/>
+          </a:fillRef>
+          <a:effectRef idx="0">
+            <a:schemeClr val="accent1"/>
+          </a:effectRef>
+          <a:fontRef idx="minor">
+            <a:schemeClr val="tx1"/>
+          </a:fontRef>
+        </p:style>
+      </p:cxnSp>
+      <p:sp>
+        <p:nvSpPr>
+          <p:cNvPr id="19" name="右大括弧 18">
+            <a:extLst>
+              <a:ext uri="{FF2B5EF4-FFF2-40B4-BE49-F238E27FC236}">
+                <a16:creationId xmlns:a16="http://schemas.microsoft.com/office/drawing/2014/main" id="{5ADD3338-C88B-28E3-2CD0-FCBAC7497076}"/>
+              </a:ext>
+            </a:extLst>
+          </p:cNvPr>
+          <p:cNvSpPr/>
+          <p:nvPr/>
+        </p:nvSpPr>
+        <p:spPr>
+          <a:xfrm rot="5400000">
+            <a:off x="4443212" y="1051241"/>
+            <a:ext cx="302652" cy="2466304"/>
+          </a:xfrm>
+          <a:prstGeom prst="rightBrace">
+            <a:avLst/>
+          </a:prstGeom>
+        </p:spPr>
+        <p:style>
+          <a:lnRef idx="1">
+            <a:schemeClr val="accent1"/>
+          </a:lnRef>
+          <a:fillRef idx="0">
+            <a:schemeClr val="accent1"/>
+          </a:fillRef>
+          <a:effectRef idx="0">
+            <a:schemeClr val="accent1"/>
+          </a:effectRef>
+          <a:fontRef idx="minor">
+            <a:schemeClr val="tx1"/>
+          </a:fontRef>
+        </p:style>
+        <p:txBody>
+          <a:bodyPr rtlCol="0" anchor="ctr"/>
+          <a:lstStyle/>
+          <a:p>
+            <a:pPr algn="ctr"/>
+            <a:endParaRPr lang="zh-TW" altLang="en-US"/>
+          </a:p>
+        </p:txBody>
+      </p:sp>
+      <p:sp>
+        <p:nvSpPr>
+          <p:cNvPr id="20" name="文字方塊 19">
+            <a:extLst>
+              <a:ext uri="{FF2B5EF4-FFF2-40B4-BE49-F238E27FC236}">
+                <a16:creationId xmlns:a16="http://schemas.microsoft.com/office/drawing/2014/main" id="{5FF151FE-3978-B9DA-6FD0-4039B774B517}"/>
+              </a:ext>
+            </a:extLst>
+          </p:cNvPr>
+          <p:cNvSpPr txBox="1"/>
+          <p:nvPr/>
+        </p:nvSpPr>
+        <p:spPr>
+          <a:xfrm>
+            <a:off x="3704894" y="2416400"/>
+            <a:ext cx="1705916" cy="523220"/>
+          </a:xfrm>
+          <a:prstGeom prst="rect">
+            <a:avLst/>
+          </a:prstGeom>
+          <a:noFill/>
+        </p:spPr>
+        <p:txBody>
+          <a:bodyPr wrap="none" rtlCol="0">
+            <a:spAutoFit/>
+          </a:bodyPr>
+          <a:lstStyle/>
+          <a:p>
+            <a:r>
+              <a:rPr lang="zh-TW" altLang="en-US" sz="1400" dirty="0">
+                <a:latin typeface="微軟正黑體" panose="020B0604030504040204" pitchFamily="34" charset="-120"/>
+                <a:ea typeface="微軟正黑體" panose="020B0604030504040204" pitchFamily="34" charset="-120"/>
+              </a:rPr>
+              <a:t>這是週期</a:t>
+            </a:r>
+            <a:r>
+              <a:rPr lang="en-US" altLang="zh-TW" sz="1400" dirty="0">
+                <a:latin typeface="微軟正黑體" panose="020B0604030504040204" pitchFamily="34" charset="-120"/>
+                <a:ea typeface="微軟正黑體" panose="020B0604030504040204" pitchFamily="34" charset="-120"/>
+              </a:rPr>
+              <a:t> (period), </a:t>
+            </a:r>
+          </a:p>
+          <a:p>
+            <a:r>
+              <a:rPr lang="zh-TW" altLang="en-US" sz="1400" dirty="0">
+                <a:latin typeface="微軟正黑體" panose="020B0604030504040204" pitchFamily="34" charset="-120"/>
+                <a:ea typeface="微軟正黑體" panose="020B0604030504040204" pitchFamily="34" charset="-120"/>
+              </a:rPr>
+              <a:t>單位是 </a:t>
+            </a:r>
+            <a:r>
+              <a:rPr lang="en-US" altLang="zh-TW" sz="1400" dirty="0">
+                <a:latin typeface="微軟正黑體" panose="020B0604030504040204" pitchFamily="34" charset="-120"/>
+                <a:ea typeface="微軟正黑體" panose="020B0604030504040204" pitchFamily="34" charset="-120"/>
+              </a:rPr>
+              <a:t>msec</a:t>
+            </a:r>
+            <a:endParaRPr lang="zh-TW" altLang="en-US" sz="1400" dirty="0">
+              <a:latin typeface="微軟正黑體" panose="020B0604030504040204" pitchFamily="34" charset="-120"/>
+              <a:ea typeface="微軟正黑體" panose="020B0604030504040204" pitchFamily="34" charset="-120"/>
+            </a:endParaRPr>
+          </a:p>
+        </p:txBody>
+      </p:sp>
+      <p:cxnSp>
+        <p:nvCxnSpPr>
+          <p:cNvPr id="23" name="直線接點 22">
+            <a:extLst>
+              <a:ext uri="{FF2B5EF4-FFF2-40B4-BE49-F238E27FC236}">
+                <a16:creationId xmlns:a16="http://schemas.microsoft.com/office/drawing/2014/main" id="{41C496C3-39DD-9617-92B1-B463C34343CB}"/>
+              </a:ext>
+            </a:extLst>
+          </p:cNvPr>
+          <p:cNvCxnSpPr>
+            <a:cxnSpLocks/>
+          </p:cNvCxnSpPr>
+          <p:nvPr/>
+        </p:nvCxnSpPr>
+        <p:spPr>
+          <a:xfrm>
+            <a:off x="5937161" y="1777285"/>
+            <a:ext cx="0" cy="1803050"/>
+          </a:xfrm>
+          <a:prstGeom prst="line">
+            <a:avLst/>
+          </a:prstGeom>
+          <a:ln>
+            <a:prstDash val="dash"/>
+          </a:ln>
+        </p:spPr>
+        <p:style>
+          <a:lnRef idx="1">
+            <a:schemeClr val="accent1"/>
+          </a:lnRef>
+          <a:fillRef idx="0">
+            <a:schemeClr val="accent1"/>
+          </a:fillRef>
+          <a:effectRef idx="0">
+            <a:schemeClr val="accent1"/>
+          </a:effectRef>
+          <a:fontRef idx="minor">
+            <a:schemeClr val="tx1"/>
+          </a:fontRef>
+        </p:style>
+      </p:cxnSp>
+      <p:sp>
+        <p:nvSpPr>
+          <p:cNvPr id="28" name="右大括弧 27">
+            <a:extLst>
+              <a:ext uri="{FF2B5EF4-FFF2-40B4-BE49-F238E27FC236}">
+                <a16:creationId xmlns:a16="http://schemas.microsoft.com/office/drawing/2014/main" id="{45D86EE6-9A91-D320-82FC-DCE1E08B467E}"/>
+              </a:ext>
+            </a:extLst>
+          </p:cNvPr>
+          <p:cNvSpPr/>
+          <p:nvPr/>
+        </p:nvSpPr>
+        <p:spPr>
+          <a:xfrm rot="5400000">
+            <a:off x="4607418" y="2445386"/>
+            <a:ext cx="302652" cy="2794714"/>
+          </a:xfrm>
+          <a:prstGeom prst="rightBrace">
+            <a:avLst/>
+          </a:prstGeom>
+        </p:spPr>
+        <p:style>
+          <a:lnRef idx="1">
+            <a:schemeClr val="accent1"/>
+          </a:lnRef>
+          <a:fillRef idx="0">
+            <a:schemeClr val="accent1"/>
+          </a:fillRef>
+          <a:effectRef idx="0">
+            <a:schemeClr val="accent1"/>
+          </a:effectRef>
+          <a:fontRef idx="minor">
+            <a:schemeClr val="tx1"/>
+          </a:fontRef>
+        </p:style>
+        <p:txBody>
+          <a:bodyPr rtlCol="0" anchor="ctr"/>
+          <a:lstStyle/>
+          <a:p>
+            <a:pPr algn="ctr"/>
+            <a:endParaRPr lang="zh-TW" altLang="en-US"/>
+          </a:p>
+        </p:txBody>
+      </p:sp>
+      <p:sp>
+        <p:nvSpPr>
+          <p:cNvPr id="29" name="文字方塊 28">
+            <a:extLst>
+              <a:ext uri="{FF2B5EF4-FFF2-40B4-BE49-F238E27FC236}">
+                <a16:creationId xmlns:a16="http://schemas.microsoft.com/office/drawing/2014/main" id="{C2D68064-AC9B-BF4F-AF7D-C3446335D7BB}"/>
+              </a:ext>
+            </a:extLst>
+          </p:cNvPr>
+          <p:cNvSpPr txBox="1"/>
+          <p:nvPr/>
+        </p:nvSpPr>
+        <p:spPr>
+          <a:xfrm>
+            <a:off x="2419761" y="3996477"/>
+            <a:ext cx="3865161" cy="1169551"/>
+          </a:xfrm>
+          <a:prstGeom prst="rect">
+            <a:avLst/>
+          </a:prstGeom>
+          <a:noFill/>
+        </p:spPr>
+        <p:txBody>
+          <a:bodyPr wrap="none" rtlCol="0">
+            <a:spAutoFit/>
+          </a:bodyPr>
+          <a:lstStyle/>
+          <a:p>
+            <a:r>
+              <a:rPr lang="zh-TW" altLang="en-US" sz="1400" dirty="0">
+                <a:latin typeface="微軟正黑體" panose="020B0604030504040204" pitchFamily="34" charset="-120"/>
+                <a:ea typeface="微軟正黑體" panose="020B0604030504040204" pitchFamily="34" charset="-120"/>
+              </a:rPr>
+              <a:t>這是傳輸延遲的延遲 </a:t>
+            </a:r>
+            <a:r>
+              <a:rPr lang="en-US" altLang="zh-TW" sz="1400" dirty="0">
+                <a:latin typeface="微軟正黑體" panose="020B0604030504040204" pitchFamily="34" charset="-120"/>
+                <a:ea typeface="微軟正黑體" panose="020B0604030504040204" pitchFamily="34" charset="-120"/>
+              </a:rPr>
+              <a:t>(delay), </a:t>
+            </a:r>
+            <a:r>
+              <a:rPr lang="zh-TW" altLang="en-US" sz="1400" dirty="0">
+                <a:latin typeface="微軟正黑體" panose="020B0604030504040204" pitchFamily="34" charset="-120"/>
+                <a:ea typeface="微軟正黑體" panose="020B0604030504040204" pitchFamily="34" charset="-120"/>
+              </a:rPr>
+              <a:t>單位也是 </a:t>
+            </a:r>
+            <a:r>
+              <a:rPr lang="en-US" altLang="zh-TW" sz="1400" dirty="0">
+                <a:latin typeface="微軟正黑體" panose="020B0604030504040204" pitchFamily="34" charset="-120"/>
+                <a:ea typeface="微軟正黑體" panose="020B0604030504040204" pitchFamily="34" charset="-120"/>
+              </a:rPr>
+              <a:t>msec</a:t>
+            </a:r>
+          </a:p>
+          <a:p>
+            <a:endParaRPr lang="en-US" altLang="zh-TW" sz="1400" dirty="0">
+              <a:latin typeface="微軟正黑體" panose="020B0604030504040204" pitchFamily="34" charset="-120"/>
+              <a:ea typeface="微軟正黑體" panose="020B0604030504040204" pitchFamily="34" charset="-120"/>
+            </a:endParaRPr>
+          </a:p>
+          <a:p>
+            <a:r>
+              <a:rPr lang="zh-TW" altLang="en-US" sz="1400" dirty="0">
+                <a:latin typeface="微軟正黑體" panose="020B0604030504040204" pitchFamily="34" charset="-120"/>
+                <a:ea typeface="微軟正黑體" panose="020B0604030504040204" pitchFamily="34" charset="-120"/>
+              </a:rPr>
+              <a:t>傳輸會受很多外在因素干擾</a:t>
+            </a:r>
+            <a:r>
+              <a:rPr lang="en-US" altLang="zh-TW" sz="1400" dirty="0">
+                <a:latin typeface="微軟正黑體" panose="020B0604030504040204" pitchFamily="34" charset="-120"/>
+                <a:ea typeface="微軟正黑體" panose="020B0604030504040204" pitchFamily="34" charset="-120"/>
+              </a:rPr>
+              <a:t>, </a:t>
+            </a:r>
+            <a:r>
+              <a:rPr lang="zh-TW" altLang="en-US" sz="1400" dirty="0">
+                <a:latin typeface="微軟正黑體" panose="020B0604030504040204" pitchFamily="34" charset="-120"/>
+                <a:ea typeface="微軟正黑體" panose="020B0604030504040204" pitchFamily="34" charset="-120"/>
+              </a:rPr>
+              <a:t>因此我用 </a:t>
+            </a:r>
+            <a:r>
+              <a:rPr lang="en-US" altLang="zh-TW" sz="1400" dirty="0">
+                <a:latin typeface="微軟正黑體" panose="020B0604030504040204" pitchFamily="34" charset="-120"/>
+                <a:ea typeface="微軟正黑體" panose="020B0604030504040204" pitchFamily="34" charset="-120"/>
+              </a:rPr>
+              <a:t>noise </a:t>
+            </a:r>
+            <a:r>
+              <a:rPr lang="zh-TW" altLang="en-US" sz="1400" dirty="0">
+                <a:latin typeface="微軟正黑體" panose="020B0604030504040204" pitchFamily="34" charset="-120"/>
+                <a:ea typeface="微軟正黑體" panose="020B0604030504040204" pitchFamily="34" charset="-120"/>
+              </a:rPr>
+              <a:t>來</a:t>
+            </a:r>
+            <a:endParaRPr lang="en-US" altLang="zh-TW" sz="1400" dirty="0">
+              <a:latin typeface="微軟正黑體" panose="020B0604030504040204" pitchFamily="34" charset="-120"/>
+              <a:ea typeface="微軟正黑體" panose="020B0604030504040204" pitchFamily="34" charset="-120"/>
+            </a:endParaRPr>
+          </a:p>
+          <a:p>
+            <a:r>
+              <a:rPr lang="zh-TW" altLang="en-US" sz="1400" dirty="0">
+                <a:latin typeface="微軟正黑體" panose="020B0604030504040204" pitchFamily="34" charset="-120"/>
+                <a:ea typeface="微軟正黑體" panose="020B0604030504040204" pitchFamily="34" charset="-120"/>
+              </a:rPr>
+              <a:t>描述，如果 </a:t>
+            </a:r>
+            <a:r>
+              <a:rPr lang="en-US" altLang="zh-TW" sz="1400" dirty="0">
+                <a:latin typeface="微軟正黑體" panose="020B0604030504040204" pitchFamily="34" charset="-120"/>
+                <a:ea typeface="微軟正黑體" panose="020B0604030504040204" pitchFamily="34" charset="-120"/>
+              </a:rPr>
+              <a:t>noise = 500, </a:t>
+            </a:r>
+            <a:r>
+              <a:rPr lang="zh-TW" altLang="en-US" sz="1400" dirty="0">
+                <a:latin typeface="微軟正黑體" panose="020B0604030504040204" pitchFamily="34" charset="-120"/>
+                <a:ea typeface="微軟正黑體" panose="020B0604030504040204" pitchFamily="34" charset="-120"/>
+              </a:rPr>
+              <a:t>代表我預期 </a:t>
+            </a:r>
+            <a:r>
+              <a:rPr lang="en-US" altLang="zh-TW" sz="1400" dirty="0">
+                <a:latin typeface="微軟正黑體" panose="020B0604030504040204" pitchFamily="34" charset="-120"/>
+                <a:ea typeface="微軟正黑體" panose="020B0604030504040204" pitchFamily="34" charset="-120"/>
+              </a:rPr>
+              <a:t>delay </a:t>
+            </a:r>
+            <a:r>
+              <a:rPr lang="zh-TW" altLang="en-US" sz="1400" dirty="0">
+                <a:latin typeface="微軟正黑體" panose="020B0604030504040204" pitchFamily="34" charset="-120"/>
+                <a:ea typeface="微軟正黑體" panose="020B0604030504040204" pitchFamily="34" charset="-120"/>
+              </a:rPr>
+              <a:t>會</a:t>
+            </a:r>
+            <a:endParaRPr lang="en-US" altLang="zh-TW" sz="1400" dirty="0">
+              <a:latin typeface="微軟正黑體" panose="020B0604030504040204" pitchFamily="34" charset="-120"/>
+              <a:ea typeface="微軟正黑體" panose="020B0604030504040204" pitchFamily="34" charset="-120"/>
+            </a:endParaRPr>
+          </a:p>
+          <a:p>
+            <a:r>
+              <a:rPr lang="zh-TW" altLang="en-US" sz="1400" dirty="0">
+                <a:latin typeface="微軟正黑體" panose="020B0604030504040204" pitchFamily="34" charset="-120"/>
+                <a:ea typeface="微軟正黑體" panose="020B0604030504040204" pitchFamily="34" charset="-120"/>
+              </a:rPr>
+              <a:t>落在 </a:t>
+            </a:r>
+            <a:r>
+              <a:rPr lang="en-US" altLang="zh-TW" sz="1400" dirty="0">
+                <a:latin typeface="微軟正黑體" panose="020B0604030504040204" pitchFamily="34" charset="-120"/>
+                <a:ea typeface="微軟正黑體" panose="020B0604030504040204" pitchFamily="34" charset="-120"/>
+              </a:rPr>
+              <a:t>0 ~ 500 msec </a:t>
+            </a:r>
+            <a:r>
+              <a:rPr lang="zh-TW" altLang="en-US" sz="1400" dirty="0">
+                <a:latin typeface="微軟正黑體" panose="020B0604030504040204" pitchFamily="34" charset="-120"/>
+                <a:ea typeface="微軟正黑體" panose="020B0604030504040204" pitchFamily="34" charset="-120"/>
+              </a:rPr>
+              <a:t>隨機的範圍</a:t>
+            </a:r>
+            <a:endParaRPr lang="en-US" altLang="zh-TW" sz="1400" dirty="0">
+              <a:latin typeface="微軟正黑體" panose="020B0604030504040204" pitchFamily="34" charset="-120"/>
+              <a:ea typeface="微軟正黑體" panose="020B0604030504040204" pitchFamily="34" charset="-120"/>
+            </a:endParaRPr>
+          </a:p>
+        </p:txBody>
+      </p:sp>
+      <p:sp>
+        <p:nvSpPr>
+          <p:cNvPr id="31" name="矩形: 圓角 30">
+            <a:extLst>
+              <a:ext uri="{FF2B5EF4-FFF2-40B4-BE49-F238E27FC236}">
+                <a16:creationId xmlns:a16="http://schemas.microsoft.com/office/drawing/2014/main" id="{79A75803-DE36-2330-BE26-DCF0BE5B1103}"/>
+              </a:ext>
+            </a:extLst>
+          </p:cNvPr>
+          <p:cNvSpPr/>
+          <p:nvPr/>
+        </p:nvSpPr>
+        <p:spPr>
+          <a:xfrm>
+            <a:off x="5686019" y="5364048"/>
+            <a:ext cx="1052095" cy="759851"/>
+          </a:xfrm>
+          <a:prstGeom prst="roundRect">
+            <a:avLst/>
+          </a:prstGeom>
+        </p:spPr>
+        <p:style>
+          <a:lnRef idx="2">
+            <a:schemeClr val="dk1"/>
+          </a:lnRef>
+          <a:fillRef idx="1">
+            <a:schemeClr val="lt1"/>
+          </a:fillRef>
+          <a:effectRef idx="0">
+            <a:schemeClr val="dk1"/>
+          </a:effectRef>
+          <a:fontRef idx="minor">
+            <a:schemeClr val="dk1"/>
+          </a:fontRef>
+        </p:style>
+        <p:txBody>
+          <a:bodyPr rtlCol="0" anchor="ctr"/>
+          <a:lstStyle/>
+          <a:p>
+            <a:pPr algn="ctr"/>
+            <a:r>
+              <a:rPr lang="en-US" altLang="zh-TW" dirty="0"/>
+              <a:t>#1</a:t>
+            </a:r>
+            <a:endParaRPr lang="zh-TW" altLang="en-US" dirty="0"/>
+          </a:p>
+        </p:txBody>
+      </p:sp>
+      <p:cxnSp>
+        <p:nvCxnSpPr>
+          <p:cNvPr id="33" name="直線單箭頭接點 32">
+            <a:extLst>
+              <a:ext uri="{FF2B5EF4-FFF2-40B4-BE49-F238E27FC236}">
+                <a16:creationId xmlns:a16="http://schemas.microsoft.com/office/drawing/2014/main" id="{98703C62-0B4D-673A-EC75-F939D7EFF80A}"/>
+              </a:ext>
+            </a:extLst>
+          </p:cNvPr>
+          <p:cNvCxnSpPr/>
+          <p:nvPr/>
+        </p:nvCxnSpPr>
+        <p:spPr>
+          <a:xfrm>
+            <a:off x="6212067" y="3580335"/>
+            <a:ext cx="0" cy="1783713"/>
+          </a:xfrm>
+          <a:prstGeom prst="straightConnector1">
+            <a:avLst/>
+          </a:prstGeom>
+          <a:ln w="19050">
+            <a:tailEnd type="triangle"/>
+          </a:ln>
+        </p:spPr>
+        <p:style>
+          <a:lnRef idx="1">
+            <a:schemeClr val="accent1"/>
+          </a:lnRef>
+          <a:fillRef idx="0">
+            <a:schemeClr val="accent1"/>
+          </a:fillRef>
+          <a:effectRef idx="0">
+            <a:schemeClr val="accent1"/>
+          </a:effectRef>
+          <a:fontRef idx="minor">
+            <a:schemeClr val="tx1"/>
+          </a:fontRef>
+        </p:style>
+      </p:cxnSp>
+      <p:cxnSp>
+        <p:nvCxnSpPr>
+          <p:cNvPr id="40" name="直線接點 39">
+            <a:extLst>
+              <a:ext uri="{FF2B5EF4-FFF2-40B4-BE49-F238E27FC236}">
+                <a16:creationId xmlns:a16="http://schemas.microsoft.com/office/drawing/2014/main" id="{6948F541-D770-631E-AA3B-FF7F4B4038FA}"/>
+              </a:ext>
+            </a:extLst>
+          </p:cNvPr>
+          <p:cNvCxnSpPr>
+            <a:cxnSpLocks/>
+          </p:cNvCxnSpPr>
+          <p:nvPr/>
+        </p:nvCxnSpPr>
+        <p:spPr>
+          <a:xfrm>
+            <a:off x="3303431" y="1777285"/>
+            <a:ext cx="0" cy="1803050"/>
+          </a:xfrm>
+          <a:prstGeom prst="line">
+            <a:avLst/>
+          </a:prstGeom>
+          <a:ln>
+            <a:prstDash val="dash"/>
+          </a:ln>
+        </p:spPr>
+        <p:style>
+          <a:lnRef idx="1">
+            <a:schemeClr val="accent1"/>
+          </a:lnRef>
+          <a:fillRef idx="0">
+            <a:schemeClr val="accent1"/>
+          </a:fillRef>
+          <a:effectRef idx="0">
+            <a:schemeClr val="accent1"/>
+          </a:effectRef>
+          <a:fontRef idx="minor">
+            <a:schemeClr val="tx1"/>
+          </a:fontRef>
+        </p:style>
+      </p:cxnSp>
+      <p:cxnSp>
+        <p:nvCxnSpPr>
+          <p:cNvPr id="41" name="直線接點 40">
+            <a:extLst>
+              <a:ext uri="{FF2B5EF4-FFF2-40B4-BE49-F238E27FC236}">
+                <a16:creationId xmlns:a16="http://schemas.microsoft.com/office/drawing/2014/main" id="{8099CC9F-53F9-BF19-B84B-6F6C44694750}"/>
+              </a:ext>
+            </a:extLst>
+          </p:cNvPr>
+          <p:cNvCxnSpPr>
+            <a:cxnSpLocks/>
+          </p:cNvCxnSpPr>
+          <p:nvPr/>
+        </p:nvCxnSpPr>
+        <p:spPr>
+          <a:xfrm>
+            <a:off x="8615966" y="1777285"/>
+            <a:ext cx="0" cy="1803050"/>
+          </a:xfrm>
+          <a:prstGeom prst="line">
+            <a:avLst/>
+          </a:prstGeom>
+          <a:ln>
+            <a:prstDash val="dash"/>
+          </a:ln>
+        </p:spPr>
+        <p:style>
+          <a:lnRef idx="1">
+            <a:schemeClr val="accent1"/>
+          </a:lnRef>
+          <a:fillRef idx="0">
+            <a:schemeClr val="accent1"/>
+          </a:fillRef>
+          <a:effectRef idx="0">
+            <a:schemeClr val="accent1"/>
+          </a:effectRef>
+          <a:fontRef idx="minor">
+            <a:schemeClr val="tx1"/>
+          </a:fontRef>
+        </p:style>
+      </p:cxnSp>
+      <p:sp>
+        <p:nvSpPr>
+          <p:cNvPr id="42" name="矩形: 圓角 41">
+            <a:extLst>
+              <a:ext uri="{FF2B5EF4-FFF2-40B4-BE49-F238E27FC236}">
+                <a16:creationId xmlns:a16="http://schemas.microsoft.com/office/drawing/2014/main" id="{0A3EFEDD-50AF-A2E0-F52B-8F9FBB8F064E}"/>
+              </a:ext>
+            </a:extLst>
+          </p:cNvPr>
+          <p:cNvSpPr/>
+          <p:nvPr/>
+        </p:nvSpPr>
+        <p:spPr>
+          <a:xfrm>
+            <a:off x="9094944" y="5364048"/>
+            <a:ext cx="1052095" cy="759851"/>
+          </a:xfrm>
+          <a:prstGeom prst="roundRect">
+            <a:avLst/>
+          </a:prstGeom>
+        </p:spPr>
+        <p:style>
+          <a:lnRef idx="2">
+            <a:schemeClr val="dk1"/>
+          </a:lnRef>
+          <a:fillRef idx="1">
+            <a:schemeClr val="lt1"/>
+          </a:fillRef>
+          <a:effectRef idx="0">
+            <a:schemeClr val="dk1"/>
+          </a:effectRef>
+          <a:fontRef idx="minor">
+            <a:schemeClr val="dk1"/>
+          </a:fontRef>
+        </p:style>
+        <p:txBody>
+          <a:bodyPr rtlCol="0" anchor="ctr"/>
+          <a:lstStyle/>
+          <a:p>
+            <a:pPr algn="ctr"/>
+            <a:r>
+              <a:rPr lang="en-US" altLang="zh-TW" dirty="0"/>
+              <a:t>#2</a:t>
+            </a:r>
+            <a:endParaRPr lang="zh-TW" altLang="en-US" dirty="0"/>
+          </a:p>
+        </p:txBody>
+      </p:sp>
+      <p:cxnSp>
+        <p:nvCxnSpPr>
+          <p:cNvPr id="43" name="直線單箭頭接點 42">
+            <a:extLst>
+              <a:ext uri="{FF2B5EF4-FFF2-40B4-BE49-F238E27FC236}">
+                <a16:creationId xmlns:a16="http://schemas.microsoft.com/office/drawing/2014/main" id="{68A6ADFF-7EFE-E1CA-3110-5E100C2CCC5B}"/>
+              </a:ext>
+            </a:extLst>
+          </p:cNvPr>
+          <p:cNvCxnSpPr/>
+          <p:nvPr/>
+        </p:nvCxnSpPr>
+        <p:spPr>
+          <a:xfrm>
+            <a:off x="9620992" y="3580335"/>
+            <a:ext cx="0" cy="1783713"/>
+          </a:xfrm>
+          <a:prstGeom prst="straightConnector1">
+            <a:avLst/>
+          </a:prstGeom>
+          <a:ln w="19050">
+            <a:tailEnd type="triangle"/>
+          </a:ln>
+        </p:spPr>
+        <p:style>
+          <a:lnRef idx="1">
+            <a:schemeClr val="accent1"/>
+          </a:lnRef>
+          <a:fillRef idx="0">
+            <a:schemeClr val="accent1"/>
+          </a:fillRef>
+          <a:effectRef idx="0">
+            <a:schemeClr val="accent1"/>
+          </a:effectRef>
+          <a:fontRef idx="minor">
+            <a:schemeClr val="tx1"/>
+          </a:fontRef>
+        </p:style>
+      </p:cxnSp>
+      <p:sp>
+        <p:nvSpPr>
+          <p:cNvPr id="44" name="矩形: 圓角 43">
+            <a:extLst>
+              <a:ext uri="{FF2B5EF4-FFF2-40B4-BE49-F238E27FC236}">
+                <a16:creationId xmlns:a16="http://schemas.microsoft.com/office/drawing/2014/main" id="{0C09B1BA-6358-997C-E45F-B2A8A7A4CBF4}"/>
+              </a:ext>
+            </a:extLst>
+          </p:cNvPr>
+          <p:cNvSpPr/>
+          <p:nvPr/>
+        </p:nvSpPr>
+        <p:spPr>
+          <a:xfrm>
+            <a:off x="8536701" y="4295101"/>
+            <a:ext cx="1052095" cy="759851"/>
+          </a:xfrm>
+          <a:prstGeom prst="roundRect">
+            <a:avLst/>
+          </a:prstGeom>
+        </p:spPr>
+        <p:style>
+          <a:lnRef idx="2">
+            <a:schemeClr val="dk1"/>
+          </a:lnRef>
+          <a:fillRef idx="1">
+            <a:schemeClr val="lt1"/>
+          </a:fillRef>
+          <a:effectRef idx="0">
+            <a:schemeClr val="dk1"/>
+          </a:effectRef>
+          <a:fontRef idx="minor">
+            <a:schemeClr val="dk1"/>
+          </a:fontRef>
+        </p:style>
+        <p:txBody>
+          <a:bodyPr rtlCol="0" anchor="ctr"/>
+          <a:lstStyle/>
+          <a:p>
+            <a:pPr algn="ctr"/>
+            <a:r>
+              <a:rPr lang="en-US" altLang="zh-TW" dirty="0"/>
+              <a:t>#3</a:t>
+            </a:r>
+            <a:endParaRPr lang="zh-TW" altLang="en-US" dirty="0"/>
+          </a:p>
+        </p:txBody>
+      </p:sp>
+      <p:cxnSp>
+        <p:nvCxnSpPr>
+          <p:cNvPr id="45" name="直線單箭頭接點 44">
+            <a:extLst>
+              <a:ext uri="{FF2B5EF4-FFF2-40B4-BE49-F238E27FC236}">
+                <a16:creationId xmlns:a16="http://schemas.microsoft.com/office/drawing/2014/main" id="{6E767E8D-82FC-EA4E-4344-AAEBF7AABFE3}"/>
+              </a:ext>
+            </a:extLst>
+          </p:cNvPr>
+          <p:cNvCxnSpPr>
+            <a:cxnSpLocks/>
+            <a:endCxn id="44" idx="0"/>
+          </p:cNvCxnSpPr>
+          <p:nvPr/>
+        </p:nvCxnSpPr>
+        <p:spPr>
+          <a:xfrm>
+            <a:off x="9062749" y="3580335"/>
+            <a:ext cx="0" cy="714766"/>
+          </a:xfrm>
+          <a:prstGeom prst="straightConnector1">
+            <a:avLst/>
+          </a:prstGeom>
+          <a:ln w="19050">
+            <a:tailEnd type="triangle"/>
+          </a:ln>
+        </p:spPr>
+        <p:style>
+          <a:lnRef idx="1">
+            <a:schemeClr val="accent1"/>
+          </a:lnRef>
+          <a:fillRef idx="0">
+            <a:schemeClr val="accent1"/>
+          </a:fillRef>
+          <a:effectRef idx="0">
+            <a:schemeClr val="accent1"/>
+          </a:effectRef>
+          <a:fontRef idx="minor">
+            <a:schemeClr val="tx1"/>
+          </a:fontRef>
+        </p:style>
+      </p:cxnSp>
+      <p:cxnSp>
+        <p:nvCxnSpPr>
+          <p:cNvPr id="47" name="直線單箭頭接點 46">
+            <a:extLst>
+              <a:ext uri="{FF2B5EF4-FFF2-40B4-BE49-F238E27FC236}">
+                <a16:creationId xmlns:a16="http://schemas.microsoft.com/office/drawing/2014/main" id="{44893AC6-FFBE-F002-DB35-1EA48EEAC595}"/>
+              </a:ext>
+            </a:extLst>
+          </p:cNvPr>
+          <p:cNvCxnSpPr>
+            <a:cxnSpLocks/>
+          </p:cNvCxnSpPr>
+          <p:nvPr/>
+        </p:nvCxnSpPr>
+        <p:spPr>
+          <a:xfrm>
+            <a:off x="3350811" y="1738649"/>
+            <a:ext cx="2805290" cy="1790162"/>
+          </a:xfrm>
+          <a:prstGeom prst="straightConnector1">
+            <a:avLst/>
+          </a:prstGeom>
+          <a:ln w="19050">
+            <a:prstDash val="sysDash"/>
+            <a:tailEnd type="triangle"/>
+          </a:ln>
+        </p:spPr>
+        <p:style>
+          <a:lnRef idx="1">
+            <a:schemeClr val="accent1"/>
+          </a:lnRef>
+          <a:fillRef idx="0">
+            <a:schemeClr val="accent1"/>
+          </a:fillRef>
+          <a:effectRef idx="0">
+            <a:schemeClr val="accent1"/>
+          </a:effectRef>
+          <a:fontRef idx="minor">
+            <a:schemeClr val="tx1"/>
+          </a:fontRef>
+        </p:style>
+      </p:cxnSp>
+      <p:cxnSp>
+        <p:nvCxnSpPr>
+          <p:cNvPr id="49" name="直線單箭頭接點 48">
+            <a:extLst>
+              <a:ext uri="{FF2B5EF4-FFF2-40B4-BE49-F238E27FC236}">
+                <a16:creationId xmlns:a16="http://schemas.microsoft.com/office/drawing/2014/main" id="{67595F92-A142-06F4-6EF7-0DEC762F144A}"/>
+              </a:ext>
+            </a:extLst>
+          </p:cNvPr>
+          <p:cNvCxnSpPr>
+            <a:cxnSpLocks/>
+          </p:cNvCxnSpPr>
+          <p:nvPr/>
+        </p:nvCxnSpPr>
+        <p:spPr>
+          <a:xfrm>
+            <a:off x="5937161" y="1738649"/>
+            <a:ext cx="3683830" cy="1838462"/>
+          </a:xfrm>
+          <a:prstGeom prst="straightConnector1">
+            <a:avLst/>
+          </a:prstGeom>
+          <a:ln w="19050">
+            <a:prstDash val="sysDash"/>
+            <a:tailEnd type="triangle"/>
+          </a:ln>
+        </p:spPr>
+        <p:style>
+          <a:lnRef idx="1">
+            <a:schemeClr val="accent1"/>
+          </a:lnRef>
+          <a:fillRef idx="0">
+            <a:schemeClr val="accent1"/>
+          </a:fillRef>
+          <a:effectRef idx="0">
+            <a:schemeClr val="accent1"/>
+          </a:effectRef>
+          <a:fontRef idx="minor">
+            <a:schemeClr val="tx1"/>
+          </a:fontRef>
+        </p:style>
+      </p:cxnSp>
+      <p:cxnSp>
+        <p:nvCxnSpPr>
+          <p:cNvPr id="51" name="直線單箭頭接點 50">
+            <a:extLst>
+              <a:ext uri="{FF2B5EF4-FFF2-40B4-BE49-F238E27FC236}">
+                <a16:creationId xmlns:a16="http://schemas.microsoft.com/office/drawing/2014/main" id="{BC94F9D7-B502-6375-1F9E-B494A201118C}"/>
+              </a:ext>
+            </a:extLst>
+          </p:cNvPr>
+          <p:cNvCxnSpPr>
+            <a:cxnSpLocks/>
+          </p:cNvCxnSpPr>
+          <p:nvPr/>
+        </p:nvCxnSpPr>
+        <p:spPr>
+          <a:xfrm>
+            <a:off x="8615966" y="1783729"/>
+            <a:ext cx="401390" cy="1745082"/>
+          </a:xfrm>
+          <a:prstGeom prst="straightConnector1">
+            <a:avLst/>
+          </a:prstGeom>
+          <a:ln w="19050">
+            <a:prstDash val="sysDash"/>
+            <a:tailEnd type="triangle"/>
+          </a:ln>
+        </p:spPr>
+        <p:style>
+          <a:lnRef idx="1">
+            <a:schemeClr val="accent1"/>
+          </a:lnRef>
+          <a:fillRef idx="0">
+            <a:schemeClr val="accent1"/>
+          </a:fillRef>
+          <a:effectRef idx="0">
+            <a:schemeClr val="accent1"/>
+          </a:effectRef>
+          <a:fontRef idx="minor">
+            <a:schemeClr val="tx1"/>
+          </a:fontRef>
+        </p:style>
+      </p:cxnSp>
+    </p:spTree>
+    <p:extLst>
+      <p:ext uri="{BB962C8B-B14F-4D97-AF65-F5344CB8AC3E}">
+        <p14:creationId xmlns:p14="http://schemas.microsoft.com/office/powerpoint/2010/main" val="3630054063"/>
+      </p:ext>
+    </p:extLst>
+  </p:cSld>
+  <p:clrMapOvr>
+    <a:masterClrMapping/>
+  </p:clrMapOvr>
+</p:sld>
+</file>
+
+<file path=ppt/slides/slide3.xml><?xml version="1.0" encoding="utf-8"?>
+<p:sld xmlns:a="http://schemas.openxmlformats.org/drawingml/2006/main" xmlns:r="http://schemas.openxmlformats.org/officeDocument/2006/relationships" xmlns:p="http://schemas.openxmlformats.org/presentationml/2006/main">
+  <p:cSld>
+    <p:spTree>
+      <p:nvGrpSpPr>
+        <p:cNvPr id="1" name=""/>
+        <p:cNvGrpSpPr/>
+        <p:nvPr/>
+      </p:nvGrpSpPr>
+      <p:grpSpPr>
+        <a:xfrm>
+          <a:off x="0" y="0"/>
+          <a:ext cx="0" cy="0"/>
+          <a:chOff x="0" y="0"/>
+          <a:chExt cx="0" cy="0"/>
+        </a:xfrm>
+      </p:grpSpPr>
+      <p:cxnSp>
+        <p:nvCxnSpPr>
+          <p:cNvPr id="5" name="直線單箭頭接點 4">
+            <a:extLst>
+              <a:ext uri="{FF2B5EF4-FFF2-40B4-BE49-F238E27FC236}">
+                <a16:creationId xmlns:a16="http://schemas.microsoft.com/office/drawing/2014/main" id="{5D912B6C-4B93-2D40-7EE5-683AF894C5BC}"/>
+              </a:ext>
+            </a:extLst>
+          </p:cNvPr>
+          <p:cNvCxnSpPr/>
+          <p:nvPr/>
+        </p:nvCxnSpPr>
+        <p:spPr>
+          <a:xfrm>
+            <a:off x="296214" y="1738649"/>
+            <a:ext cx="11520152" cy="0"/>
+          </a:xfrm>
+          <a:prstGeom prst="straightConnector1">
+            <a:avLst/>
+          </a:prstGeom>
+          <a:ln>
+            <a:tailEnd type="triangle"/>
+          </a:ln>
+        </p:spPr>
+        <p:style>
+          <a:lnRef idx="1">
+            <a:schemeClr val="accent1"/>
+          </a:lnRef>
+          <a:fillRef idx="0">
+            <a:schemeClr val="accent1"/>
+          </a:fillRef>
+          <a:effectRef idx="0">
+            <a:schemeClr val="accent1"/>
+          </a:effectRef>
+          <a:fontRef idx="minor">
+            <a:schemeClr val="tx1"/>
+          </a:fontRef>
+        </p:style>
+      </p:cxnSp>
+      <p:cxnSp>
+        <p:nvCxnSpPr>
+          <p:cNvPr id="6" name="直線單箭頭接點 5">
+            <a:extLst>
+              <a:ext uri="{FF2B5EF4-FFF2-40B4-BE49-F238E27FC236}">
+                <a16:creationId xmlns:a16="http://schemas.microsoft.com/office/drawing/2014/main" id="{B5B3F04D-E9CF-7D70-5FD2-ECE906EF84F2}"/>
+              </a:ext>
+            </a:extLst>
+          </p:cNvPr>
+          <p:cNvCxnSpPr/>
+          <p:nvPr/>
+        </p:nvCxnSpPr>
+        <p:spPr>
+          <a:xfrm>
+            <a:off x="296214" y="3580335"/>
+            <a:ext cx="11520152" cy="0"/>
+          </a:xfrm>
+          <a:prstGeom prst="straightConnector1">
+            <a:avLst/>
+          </a:prstGeom>
+          <a:ln>
+            <a:tailEnd type="triangle"/>
+          </a:ln>
+        </p:spPr>
+        <p:style>
+          <a:lnRef idx="1">
+            <a:schemeClr val="accent1"/>
+          </a:lnRef>
+          <a:fillRef idx="0">
+            <a:schemeClr val="accent1"/>
+          </a:fillRef>
+          <a:effectRef idx="0">
+            <a:schemeClr val="accent1"/>
+          </a:effectRef>
+          <a:fontRef idx="minor">
+            <a:schemeClr val="tx1"/>
+          </a:fontRef>
+        </p:style>
+      </p:cxnSp>
+      <p:sp>
+        <p:nvSpPr>
+          <p:cNvPr id="7" name="文字方塊 6">
+            <a:extLst>
+              <a:ext uri="{FF2B5EF4-FFF2-40B4-BE49-F238E27FC236}">
+                <a16:creationId xmlns:a16="http://schemas.microsoft.com/office/drawing/2014/main" id="{D83A8EBB-5268-CF6C-B9C4-E48D306BD22D}"/>
+              </a:ext>
+            </a:extLst>
+          </p:cNvPr>
+          <p:cNvSpPr txBox="1"/>
+          <p:nvPr/>
+        </p:nvSpPr>
+        <p:spPr>
+          <a:xfrm>
+            <a:off x="296214" y="1983347"/>
+            <a:ext cx="1845185" cy="369332"/>
+          </a:xfrm>
+          <a:prstGeom prst="rect">
+            <a:avLst/>
+          </a:prstGeom>
+          <a:noFill/>
+        </p:spPr>
+        <p:txBody>
+          <a:bodyPr wrap="none" rtlCol="0">
+            <a:spAutoFit/>
+          </a:bodyPr>
+          <a:lstStyle/>
+          <a:p>
+            <a:r>
+              <a:rPr lang="en-US" altLang="zh-TW" dirty="0"/>
+              <a:t>Command Source</a:t>
+            </a:r>
+            <a:endParaRPr lang="zh-TW" altLang="en-US" dirty="0"/>
+          </a:p>
+        </p:txBody>
+      </p:sp>
+      <p:sp>
+        <p:nvSpPr>
+          <p:cNvPr id="8" name="文字方塊 7">
+            <a:extLst>
+              <a:ext uri="{FF2B5EF4-FFF2-40B4-BE49-F238E27FC236}">
+                <a16:creationId xmlns:a16="http://schemas.microsoft.com/office/drawing/2014/main" id="{19C1E6BD-57E4-B693-DC14-9B79A9CE18FB}"/>
+              </a:ext>
+            </a:extLst>
+          </p:cNvPr>
+          <p:cNvSpPr txBox="1"/>
+          <p:nvPr/>
+        </p:nvSpPr>
+        <p:spPr>
+          <a:xfrm>
+            <a:off x="296214" y="3825032"/>
+            <a:ext cx="1781257" cy="369332"/>
+          </a:xfrm>
+          <a:prstGeom prst="rect">
+            <a:avLst/>
+          </a:prstGeom>
+          <a:noFill/>
+        </p:spPr>
+        <p:txBody>
+          <a:bodyPr wrap="none" rtlCol="0">
+            <a:spAutoFit/>
+          </a:bodyPr>
+          <a:lstStyle/>
+          <a:p>
+            <a:r>
+              <a:rPr lang="en-US" altLang="zh-TW" dirty="0"/>
+              <a:t>Command Buffer</a:t>
+            </a:r>
+            <a:endParaRPr lang="zh-TW" altLang="en-US" dirty="0"/>
+          </a:p>
+        </p:txBody>
+      </p:sp>
+      <p:sp>
+        <p:nvSpPr>
+          <p:cNvPr id="9" name="矩形: 圓角 8">
+            <a:extLst>
+              <a:ext uri="{FF2B5EF4-FFF2-40B4-BE49-F238E27FC236}">
+                <a16:creationId xmlns:a16="http://schemas.microsoft.com/office/drawing/2014/main" id="{594C953C-B0F7-5F9A-A181-D0DCA074CE6A}"/>
+              </a:ext>
+            </a:extLst>
+          </p:cNvPr>
+          <p:cNvSpPr/>
+          <p:nvPr/>
+        </p:nvSpPr>
+        <p:spPr>
+          <a:xfrm>
+            <a:off x="1967999" y="734101"/>
+            <a:ext cx="1052095" cy="759851"/>
+          </a:xfrm>
+          <a:prstGeom prst="roundRect">
+            <a:avLst/>
+          </a:prstGeom>
+        </p:spPr>
+        <p:style>
+          <a:lnRef idx="2">
+            <a:schemeClr val="dk1"/>
+          </a:lnRef>
+          <a:fillRef idx="1">
+            <a:schemeClr val="lt1"/>
+          </a:fillRef>
+          <a:effectRef idx="0">
+            <a:schemeClr val="dk1"/>
+          </a:effectRef>
+          <a:fontRef idx="minor">
+            <a:schemeClr val="dk1"/>
+          </a:fontRef>
+        </p:style>
+        <p:txBody>
+          <a:bodyPr rtlCol="0" anchor="ctr"/>
+          <a:lstStyle/>
+          <a:p>
+            <a:pPr algn="ctr"/>
+            <a:r>
+              <a:rPr lang="en-US" altLang="zh-TW" dirty="0"/>
+              <a:t>#1</a:t>
+            </a:r>
+            <a:endParaRPr lang="zh-TW" altLang="en-US" dirty="0"/>
+          </a:p>
+        </p:txBody>
+      </p:sp>
+      <p:sp>
+        <p:nvSpPr>
+          <p:cNvPr id="10" name="矩形: 圓角 9">
+            <a:extLst>
+              <a:ext uri="{FF2B5EF4-FFF2-40B4-BE49-F238E27FC236}">
+                <a16:creationId xmlns:a16="http://schemas.microsoft.com/office/drawing/2014/main" id="{6949B88F-AE2A-D9EE-85DC-F02B13DBC6B4}"/>
+              </a:ext>
+            </a:extLst>
+          </p:cNvPr>
+          <p:cNvSpPr/>
+          <p:nvPr/>
+        </p:nvSpPr>
+        <p:spPr>
+          <a:xfrm>
+            <a:off x="4627487" y="734101"/>
+            <a:ext cx="1052095" cy="759851"/>
+          </a:xfrm>
+          <a:prstGeom prst="roundRect">
+            <a:avLst/>
+          </a:prstGeom>
+        </p:spPr>
+        <p:style>
+          <a:lnRef idx="2">
+            <a:schemeClr val="dk1"/>
+          </a:lnRef>
+          <a:fillRef idx="1">
+            <a:schemeClr val="lt1"/>
+          </a:fillRef>
+          <a:effectRef idx="0">
+            <a:schemeClr val="dk1"/>
+          </a:effectRef>
+          <a:fontRef idx="minor">
+            <a:schemeClr val="dk1"/>
+          </a:fontRef>
+        </p:style>
+        <p:txBody>
+          <a:bodyPr rtlCol="0" anchor="ctr"/>
+          <a:lstStyle/>
+          <a:p>
+            <a:pPr algn="ctr"/>
+            <a:r>
+              <a:rPr lang="en-US" altLang="zh-TW" dirty="0"/>
+              <a:t>#2</a:t>
+            </a:r>
+            <a:endParaRPr lang="zh-TW" altLang="en-US" dirty="0"/>
+          </a:p>
+        </p:txBody>
+      </p:sp>
+      <p:sp>
+        <p:nvSpPr>
+          <p:cNvPr id="11" name="矩形: 圓角 10">
+            <a:extLst>
+              <a:ext uri="{FF2B5EF4-FFF2-40B4-BE49-F238E27FC236}">
+                <a16:creationId xmlns:a16="http://schemas.microsoft.com/office/drawing/2014/main" id="{45C211B5-4D86-976E-CDFD-D15FD4169BCE}"/>
+              </a:ext>
+            </a:extLst>
+          </p:cNvPr>
+          <p:cNvSpPr/>
+          <p:nvPr/>
+        </p:nvSpPr>
+        <p:spPr>
+          <a:xfrm>
+            <a:off x="7003639" y="734101"/>
+            <a:ext cx="1052095" cy="759851"/>
+          </a:xfrm>
+          <a:prstGeom prst="roundRect">
+            <a:avLst/>
+          </a:prstGeom>
+        </p:spPr>
+        <p:style>
+          <a:lnRef idx="2">
+            <a:schemeClr val="dk1"/>
+          </a:lnRef>
+          <a:fillRef idx="1">
+            <a:schemeClr val="lt1"/>
+          </a:fillRef>
+          <a:effectRef idx="0">
+            <a:schemeClr val="dk1"/>
+          </a:effectRef>
+          <a:fontRef idx="minor">
+            <a:schemeClr val="dk1"/>
+          </a:fontRef>
+        </p:style>
+        <p:txBody>
+          <a:bodyPr rtlCol="0" anchor="ctr"/>
+          <a:lstStyle/>
+          <a:p>
+            <a:pPr algn="ctr"/>
+            <a:r>
+              <a:rPr lang="en-US" altLang="zh-TW" dirty="0"/>
+              <a:t>#3</a:t>
+            </a:r>
+            <a:endParaRPr lang="zh-TW" altLang="en-US" dirty="0"/>
+          </a:p>
+        </p:txBody>
+      </p:sp>
+      <p:cxnSp>
+        <p:nvCxnSpPr>
+          <p:cNvPr id="2" name="直線單箭頭接點 1">
+            <a:extLst>
+              <a:ext uri="{FF2B5EF4-FFF2-40B4-BE49-F238E27FC236}">
+                <a16:creationId xmlns:a16="http://schemas.microsoft.com/office/drawing/2014/main" id="{343027DB-2ECD-9959-D6C1-29BE896199DE}"/>
+              </a:ext>
+            </a:extLst>
+          </p:cNvPr>
+          <p:cNvCxnSpPr/>
+          <p:nvPr/>
+        </p:nvCxnSpPr>
+        <p:spPr>
+          <a:xfrm>
+            <a:off x="296214" y="5756865"/>
+            <a:ext cx="11520152" cy="0"/>
+          </a:xfrm>
+          <a:prstGeom prst="straightConnector1">
+            <a:avLst/>
+          </a:prstGeom>
+          <a:ln>
+            <a:tailEnd type="triangle"/>
+          </a:ln>
+        </p:spPr>
+        <p:style>
+          <a:lnRef idx="1">
+            <a:schemeClr val="accent1"/>
+          </a:lnRef>
+          <a:fillRef idx="0">
+            <a:schemeClr val="accent1"/>
+          </a:fillRef>
+          <a:effectRef idx="0">
+            <a:schemeClr val="accent1"/>
+          </a:effectRef>
+          <a:fontRef idx="minor">
+            <a:schemeClr val="tx1"/>
+          </a:fontRef>
+        </p:style>
+      </p:cxnSp>
+      <p:sp>
+        <p:nvSpPr>
+          <p:cNvPr id="4" name="矩形: 圓角 3">
+            <a:extLst>
+              <a:ext uri="{FF2B5EF4-FFF2-40B4-BE49-F238E27FC236}">
+                <a16:creationId xmlns:a16="http://schemas.microsoft.com/office/drawing/2014/main" id="{6BC17E24-881B-A4B4-ED1A-1A633D88E56B}"/>
+              </a:ext>
+            </a:extLst>
+          </p:cNvPr>
+          <p:cNvSpPr/>
+          <p:nvPr/>
+        </p:nvSpPr>
+        <p:spPr>
+          <a:xfrm>
+            <a:off x="3361386" y="3189816"/>
+            <a:ext cx="1052095" cy="759851"/>
+          </a:xfrm>
+          <a:prstGeom prst="roundRect">
+            <a:avLst/>
+          </a:prstGeom>
+        </p:spPr>
+        <p:style>
+          <a:lnRef idx="2">
+            <a:schemeClr val="dk1"/>
+          </a:lnRef>
+          <a:fillRef idx="1">
+            <a:schemeClr val="lt1"/>
+          </a:fillRef>
+          <a:effectRef idx="0">
+            <a:schemeClr val="dk1"/>
+          </a:effectRef>
+          <a:fontRef idx="minor">
+            <a:schemeClr val="dk1"/>
+          </a:fontRef>
+        </p:style>
+        <p:txBody>
+          <a:bodyPr rtlCol="0" anchor="ctr"/>
+          <a:lstStyle/>
+          <a:p>
+            <a:pPr algn="ctr"/>
+            <a:r>
+              <a:rPr lang="en-US" altLang="zh-TW" dirty="0"/>
+              <a:t>#1</a:t>
+            </a:r>
+            <a:endParaRPr lang="zh-TW" altLang="en-US" dirty="0"/>
+          </a:p>
+        </p:txBody>
+      </p:sp>
+      <p:sp>
+        <p:nvSpPr>
+          <p:cNvPr id="15" name="文字方塊 14">
+            <a:extLst>
+              <a:ext uri="{FF2B5EF4-FFF2-40B4-BE49-F238E27FC236}">
+                <a16:creationId xmlns:a16="http://schemas.microsoft.com/office/drawing/2014/main" id="{837BFEFD-06E2-0673-0F03-2843A055B504}"/>
+              </a:ext>
+            </a:extLst>
+          </p:cNvPr>
+          <p:cNvSpPr txBox="1"/>
+          <p:nvPr/>
+        </p:nvSpPr>
+        <p:spPr>
+          <a:xfrm>
+            <a:off x="296214" y="6008002"/>
+            <a:ext cx="931665" cy="369332"/>
+          </a:xfrm>
+          <a:prstGeom prst="rect">
+            <a:avLst/>
+          </a:prstGeom>
+          <a:noFill/>
+        </p:spPr>
+        <p:txBody>
+          <a:bodyPr wrap="none" rtlCol="0">
+            <a:spAutoFit/>
+          </a:bodyPr>
+          <a:lstStyle/>
+          <a:p>
+            <a:r>
+              <a:rPr lang="en-US" altLang="zh-TW" dirty="0"/>
+              <a:t>Handler</a:t>
+            </a:r>
+            <a:endParaRPr lang="zh-TW" altLang="en-US" dirty="0"/>
+          </a:p>
+        </p:txBody>
+      </p:sp>
+      <p:sp>
+        <p:nvSpPr>
+          <p:cNvPr id="31" name="矩形: 圓角 30">
+            <a:extLst>
+              <a:ext uri="{FF2B5EF4-FFF2-40B4-BE49-F238E27FC236}">
+                <a16:creationId xmlns:a16="http://schemas.microsoft.com/office/drawing/2014/main" id="{79A75803-DE36-2330-BE26-DCF0BE5B1103}"/>
+              </a:ext>
+            </a:extLst>
+          </p:cNvPr>
+          <p:cNvSpPr/>
+          <p:nvPr/>
+        </p:nvSpPr>
+        <p:spPr>
+          <a:xfrm>
+            <a:off x="3361386" y="5364048"/>
+            <a:ext cx="1052095" cy="759851"/>
+          </a:xfrm>
+          <a:prstGeom prst="roundRect">
+            <a:avLst/>
+          </a:prstGeom>
+        </p:spPr>
+        <p:style>
+          <a:lnRef idx="2">
+            <a:schemeClr val="dk1"/>
+          </a:lnRef>
+          <a:fillRef idx="1">
+            <a:schemeClr val="lt1"/>
+          </a:fillRef>
+          <a:effectRef idx="0">
+            <a:schemeClr val="dk1"/>
+          </a:effectRef>
+          <a:fontRef idx="minor">
+            <a:schemeClr val="dk1"/>
+          </a:fontRef>
+        </p:style>
+        <p:txBody>
+          <a:bodyPr rtlCol="0" anchor="ctr"/>
+          <a:lstStyle/>
+          <a:p>
+            <a:pPr algn="ctr"/>
+            <a:r>
+              <a:rPr lang="en-US" altLang="zh-TW" dirty="0"/>
+              <a:t>#1</a:t>
+            </a:r>
+            <a:endParaRPr lang="zh-TW" altLang="en-US" dirty="0"/>
+          </a:p>
+        </p:txBody>
+      </p:sp>
+      <p:sp>
+        <p:nvSpPr>
+          <p:cNvPr id="42" name="矩形: 圓角 41">
+            <a:extLst>
+              <a:ext uri="{FF2B5EF4-FFF2-40B4-BE49-F238E27FC236}">
+                <a16:creationId xmlns:a16="http://schemas.microsoft.com/office/drawing/2014/main" id="{0A3EFEDD-50AF-A2E0-F52B-8F9FBB8F064E}"/>
+              </a:ext>
+            </a:extLst>
+          </p:cNvPr>
+          <p:cNvSpPr/>
+          <p:nvPr/>
+        </p:nvSpPr>
+        <p:spPr>
+          <a:xfrm>
+            <a:off x="8897795" y="5364048"/>
+            <a:ext cx="1052095" cy="759851"/>
+          </a:xfrm>
+          <a:prstGeom prst="roundRect">
+            <a:avLst/>
+          </a:prstGeom>
+        </p:spPr>
+        <p:style>
+          <a:lnRef idx="2">
+            <a:schemeClr val="dk1"/>
+          </a:lnRef>
+          <a:fillRef idx="1">
+            <a:schemeClr val="lt1"/>
+          </a:fillRef>
+          <a:effectRef idx="0">
+            <a:schemeClr val="dk1"/>
+          </a:effectRef>
+          <a:fontRef idx="minor">
+            <a:schemeClr val="dk1"/>
+          </a:fontRef>
+        </p:style>
+        <p:txBody>
+          <a:bodyPr rtlCol="0" anchor="ctr"/>
+          <a:lstStyle/>
+          <a:p>
+            <a:pPr algn="ctr"/>
+            <a:r>
+              <a:rPr lang="en-US" altLang="zh-TW" dirty="0"/>
+              <a:t>#2</a:t>
+            </a:r>
+            <a:endParaRPr lang="zh-TW" altLang="en-US" dirty="0"/>
+          </a:p>
+        </p:txBody>
+      </p:sp>
+      <p:sp>
+        <p:nvSpPr>
+          <p:cNvPr id="44" name="矩形: 圓角 43">
+            <a:extLst>
+              <a:ext uri="{FF2B5EF4-FFF2-40B4-BE49-F238E27FC236}">
+                <a16:creationId xmlns:a16="http://schemas.microsoft.com/office/drawing/2014/main" id="{0C09B1BA-6358-997C-E45F-B2A8A7A4CBF4}"/>
+              </a:ext>
+            </a:extLst>
+          </p:cNvPr>
+          <p:cNvSpPr/>
+          <p:nvPr/>
+        </p:nvSpPr>
+        <p:spPr>
+          <a:xfrm>
+            <a:off x="10049972" y="5364047"/>
+            <a:ext cx="1052095" cy="759851"/>
+          </a:xfrm>
+          <a:prstGeom prst="roundRect">
+            <a:avLst/>
+          </a:prstGeom>
+        </p:spPr>
+        <p:style>
+          <a:lnRef idx="2">
+            <a:schemeClr val="dk1"/>
+          </a:lnRef>
+          <a:fillRef idx="1">
+            <a:schemeClr val="lt1"/>
+          </a:fillRef>
+          <a:effectRef idx="0">
+            <a:schemeClr val="dk1"/>
+          </a:effectRef>
+          <a:fontRef idx="minor">
+            <a:schemeClr val="dk1"/>
+          </a:fontRef>
+        </p:style>
+        <p:txBody>
+          <a:bodyPr rtlCol="0" anchor="ctr"/>
+          <a:lstStyle/>
+          <a:p>
+            <a:pPr algn="ctr"/>
+            <a:r>
+              <a:rPr lang="en-US" altLang="zh-TW" dirty="0"/>
+              <a:t>#3</a:t>
+            </a:r>
+            <a:endParaRPr lang="zh-TW" altLang="en-US" dirty="0"/>
+          </a:p>
+        </p:txBody>
+      </p:sp>
+      <p:sp>
+        <p:nvSpPr>
+          <p:cNvPr id="21" name="矩形: 圓角 20">
+            <a:extLst>
+              <a:ext uri="{FF2B5EF4-FFF2-40B4-BE49-F238E27FC236}">
+                <a16:creationId xmlns:a16="http://schemas.microsoft.com/office/drawing/2014/main" id="{8C9FF6BD-66B9-3E55-D6AB-AB9286F44CCD}"/>
+              </a:ext>
+            </a:extLst>
+          </p:cNvPr>
+          <p:cNvSpPr/>
+          <p:nvPr/>
+        </p:nvSpPr>
+        <p:spPr>
+          <a:xfrm>
+            <a:off x="8897796" y="3172364"/>
+            <a:ext cx="1052095" cy="759851"/>
+          </a:xfrm>
+          <a:prstGeom prst="roundRect">
+            <a:avLst/>
+          </a:prstGeom>
+        </p:spPr>
+        <p:style>
+          <a:lnRef idx="2">
+            <a:schemeClr val="dk1"/>
+          </a:lnRef>
+          <a:fillRef idx="1">
+            <a:schemeClr val="lt1"/>
+          </a:fillRef>
+          <a:effectRef idx="0">
+            <a:schemeClr val="dk1"/>
+          </a:effectRef>
+          <a:fontRef idx="minor">
+            <a:schemeClr val="dk1"/>
+          </a:fontRef>
+        </p:style>
+        <p:txBody>
+          <a:bodyPr rtlCol="0" anchor="ctr"/>
+          <a:lstStyle/>
+          <a:p>
+            <a:pPr algn="ctr"/>
+            <a:r>
+              <a:rPr lang="en-US" altLang="zh-TW" dirty="0"/>
+              <a:t>#2</a:t>
+            </a:r>
+            <a:endParaRPr lang="zh-TW" altLang="en-US" dirty="0"/>
+          </a:p>
+        </p:txBody>
+      </p:sp>
+      <p:sp>
+        <p:nvSpPr>
+          <p:cNvPr id="22" name="矩形: 圓角 21">
+            <a:extLst>
+              <a:ext uri="{FF2B5EF4-FFF2-40B4-BE49-F238E27FC236}">
+                <a16:creationId xmlns:a16="http://schemas.microsoft.com/office/drawing/2014/main" id="{C7DE1A10-B9D8-03EE-5F02-F3169634EBBF}"/>
+              </a:ext>
+            </a:extLst>
+          </p:cNvPr>
+          <p:cNvSpPr/>
+          <p:nvPr/>
+        </p:nvSpPr>
+        <p:spPr>
+          <a:xfrm>
+            <a:off x="7778521" y="3172364"/>
+            <a:ext cx="1052095" cy="759851"/>
+          </a:xfrm>
+          <a:prstGeom prst="roundRect">
+            <a:avLst/>
+          </a:prstGeom>
+        </p:spPr>
+        <p:style>
+          <a:lnRef idx="2">
+            <a:schemeClr val="dk1"/>
+          </a:lnRef>
+          <a:fillRef idx="1">
+            <a:schemeClr val="lt1"/>
+          </a:fillRef>
+          <a:effectRef idx="0">
+            <a:schemeClr val="dk1"/>
+          </a:effectRef>
+          <a:fontRef idx="minor">
+            <a:schemeClr val="dk1"/>
+          </a:fontRef>
+        </p:style>
+        <p:txBody>
+          <a:bodyPr rtlCol="0" anchor="ctr"/>
+          <a:lstStyle/>
+          <a:p>
+            <a:pPr algn="ctr"/>
+            <a:r>
+              <a:rPr lang="en-US" altLang="zh-TW" dirty="0"/>
+              <a:t>#3</a:t>
+            </a:r>
+            <a:endParaRPr lang="zh-TW" altLang="en-US" dirty="0"/>
+          </a:p>
+        </p:txBody>
+      </p:sp>
+      <p:cxnSp>
+        <p:nvCxnSpPr>
+          <p:cNvPr id="34" name="直線接點 33">
+            <a:extLst>
+              <a:ext uri="{FF2B5EF4-FFF2-40B4-BE49-F238E27FC236}">
+                <a16:creationId xmlns:a16="http://schemas.microsoft.com/office/drawing/2014/main" id="{5462E8A2-068E-5CA7-B399-BA4C2E82D3B3}"/>
+              </a:ext>
+            </a:extLst>
+          </p:cNvPr>
+          <p:cNvCxnSpPr>
+            <a:cxnSpLocks/>
+            <a:stCxn id="9" idx="2"/>
+          </p:cNvCxnSpPr>
+          <p:nvPr/>
+        </p:nvCxnSpPr>
+        <p:spPr>
+          <a:xfrm>
+            <a:off x="2494047" y="1493952"/>
+            <a:ext cx="0" cy="2182966"/>
+          </a:xfrm>
+          <a:prstGeom prst="line">
+            <a:avLst/>
+          </a:prstGeom>
+          <a:ln>
+            <a:solidFill>
+              <a:schemeClr val="bg1">
+                <a:lumMod val="85000"/>
+              </a:schemeClr>
+            </a:solidFill>
+            <a:prstDash val="dash"/>
+          </a:ln>
+        </p:spPr>
+        <p:style>
+          <a:lnRef idx="1">
+            <a:schemeClr val="accent1"/>
+          </a:lnRef>
+          <a:fillRef idx="0">
+            <a:schemeClr val="accent1"/>
+          </a:fillRef>
+          <a:effectRef idx="0">
+            <a:schemeClr val="accent1"/>
+          </a:effectRef>
+          <a:fontRef idx="minor">
+            <a:schemeClr val="tx1"/>
+          </a:fontRef>
+        </p:style>
+      </p:cxnSp>
+      <p:cxnSp>
+        <p:nvCxnSpPr>
+          <p:cNvPr id="36" name="直線接點 35">
+            <a:extLst>
+              <a:ext uri="{FF2B5EF4-FFF2-40B4-BE49-F238E27FC236}">
+                <a16:creationId xmlns:a16="http://schemas.microsoft.com/office/drawing/2014/main" id="{00ACD7FE-6D9B-CCE6-0856-539237CB5E32}"/>
+              </a:ext>
+            </a:extLst>
+          </p:cNvPr>
+          <p:cNvCxnSpPr>
+            <a:cxnSpLocks/>
+          </p:cNvCxnSpPr>
+          <p:nvPr/>
+        </p:nvCxnSpPr>
+        <p:spPr>
+          <a:xfrm>
+            <a:off x="7501943" y="1592614"/>
+            <a:ext cx="0" cy="1597202"/>
+          </a:xfrm>
+          <a:prstGeom prst="line">
+            <a:avLst/>
+          </a:prstGeom>
+          <a:ln>
+            <a:solidFill>
+              <a:schemeClr val="bg1">
+                <a:lumMod val="85000"/>
+              </a:schemeClr>
+            </a:solidFill>
+            <a:prstDash val="dash"/>
+          </a:ln>
+        </p:spPr>
+        <p:style>
+          <a:lnRef idx="1">
+            <a:schemeClr val="accent1"/>
+          </a:lnRef>
+          <a:fillRef idx="0">
+            <a:schemeClr val="accent1"/>
+          </a:fillRef>
+          <a:effectRef idx="0">
+            <a:schemeClr val="accent1"/>
+          </a:effectRef>
+          <a:fontRef idx="minor">
+            <a:schemeClr val="tx1"/>
+          </a:fontRef>
+        </p:style>
+      </p:cxnSp>
+      <p:cxnSp>
+        <p:nvCxnSpPr>
+          <p:cNvPr id="50" name="直線單箭頭接點 49">
+            <a:extLst>
+              <a:ext uri="{FF2B5EF4-FFF2-40B4-BE49-F238E27FC236}">
+                <a16:creationId xmlns:a16="http://schemas.microsoft.com/office/drawing/2014/main" id="{63C5EB30-3477-A34B-24A7-C425E5CDB21A}"/>
+              </a:ext>
+            </a:extLst>
+          </p:cNvPr>
+          <p:cNvCxnSpPr>
+            <a:stCxn id="9" idx="2"/>
+            <a:endCxn id="4" idx="0"/>
+          </p:cNvCxnSpPr>
+          <p:nvPr/>
+        </p:nvCxnSpPr>
+        <p:spPr>
+          <a:xfrm>
+            <a:off x="2494047" y="1493952"/>
+            <a:ext cx="1393387" cy="1695864"/>
+          </a:xfrm>
+          <a:prstGeom prst="straightConnector1">
+            <a:avLst/>
+          </a:prstGeom>
+          <a:ln>
+            <a:tailEnd type="triangle"/>
+          </a:ln>
+        </p:spPr>
+        <p:style>
+          <a:lnRef idx="1">
+            <a:schemeClr val="accent1"/>
+          </a:lnRef>
+          <a:fillRef idx="0">
+            <a:schemeClr val="accent1"/>
+          </a:fillRef>
+          <a:effectRef idx="0">
+            <a:schemeClr val="accent1"/>
+          </a:effectRef>
+          <a:fontRef idx="minor">
+            <a:schemeClr val="tx1"/>
+          </a:fontRef>
+        </p:style>
+      </p:cxnSp>
+      <p:cxnSp>
+        <p:nvCxnSpPr>
+          <p:cNvPr id="53" name="直線單箭頭接點 52">
+            <a:extLst>
+              <a:ext uri="{FF2B5EF4-FFF2-40B4-BE49-F238E27FC236}">
+                <a16:creationId xmlns:a16="http://schemas.microsoft.com/office/drawing/2014/main" id="{3A881E1C-D61C-558A-85E4-F4DA9CF971D1}"/>
+              </a:ext>
+            </a:extLst>
+          </p:cNvPr>
+          <p:cNvCxnSpPr>
+            <a:stCxn id="4" idx="2"/>
+            <a:endCxn id="31" idx="0"/>
+          </p:cNvCxnSpPr>
+          <p:nvPr/>
+        </p:nvCxnSpPr>
+        <p:spPr>
+          <a:xfrm>
+            <a:off x="3887434" y="3949667"/>
+            <a:ext cx="0" cy="1414381"/>
+          </a:xfrm>
+          <a:prstGeom prst="straightConnector1">
+            <a:avLst/>
+          </a:prstGeom>
+          <a:ln>
+            <a:tailEnd type="triangle"/>
+          </a:ln>
+        </p:spPr>
+        <p:style>
+          <a:lnRef idx="1">
+            <a:schemeClr val="accent1"/>
+          </a:lnRef>
+          <a:fillRef idx="0">
+            <a:schemeClr val="accent1"/>
+          </a:fillRef>
+          <a:effectRef idx="0">
+            <a:schemeClr val="accent1"/>
+          </a:effectRef>
+          <a:fontRef idx="minor">
+            <a:schemeClr val="tx1"/>
+          </a:fontRef>
+        </p:style>
+      </p:cxnSp>
+      <p:sp>
+        <p:nvSpPr>
+          <p:cNvPr id="60" name="右大括弧 59">
+            <a:extLst>
+              <a:ext uri="{FF2B5EF4-FFF2-40B4-BE49-F238E27FC236}">
+                <a16:creationId xmlns:a16="http://schemas.microsoft.com/office/drawing/2014/main" id="{5A49466D-86DD-24F8-26EC-E11F17F12668}"/>
+              </a:ext>
+            </a:extLst>
+          </p:cNvPr>
+          <p:cNvSpPr/>
+          <p:nvPr/>
+        </p:nvSpPr>
+        <p:spPr>
+          <a:xfrm rot="5400000">
+            <a:off x="7836740" y="3760384"/>
+            <a:ext cx="214593" cy="828703"/>
+          </a:xfrm>
+          <a:prstGeom prst="rightBrace">
+            <a:avLst/>
+          </a:prstGeom>
+        </p:spPr>
+        <p:style>
+          <a:lnRef idx="1">
+            <a:schemeClr val="accent1"/>
+          </a:lnRef>
+          <a:fillRef idx="0">
+            <a:schemeClr val="accent1"/>
+          </a:fillRef>
+          <a:effectRef idx="0">
+            <a:schemeClr val="accent1"/>
+          </a:effectRef>
+          <a:fontRef idx="minor">
+            <a:schemeClr val="tx1"/>
+          </a:fontRef>
+        </p:style>
+        <p:txBody>
+          <a:bodyPr rtlCol="0" anchor="ctr"/>
+          <a:lstStyle/>
+          <a:p>
+            <a:pPr algn="ctr"/>
+            <a:endParaRPr lang="zh-TW" altLang="en-US"/>
+          </a:p>
+        </p:txBody>
+      </p:sp>
+      <p:sp>
+        <p:nvSpPr>
+          <p:cNvPr id="61" name="文字方塊 60">
+            <a:extLst>
+              <a:ext uri="{FF2B5EF4-FFF2-40B4-BE49-F238E27FC236}">
+                <a16:creationId xmlns:a16="http://schemas.microsoft.com/office/drawing/2014/main" id="{EB9605EB-C6B1-802A-CF81-61EA4EF8B56B}"/>
+              </a:ext>
+            </a:extLst>
+          </p:cNvPr>
+          <p:cNvSpPr txBox="1"/>
+          <p:nvPr/>
+        </p:nvSpPr>
+        <p:spPr>
+          <a:xfrm>
+            <a:off x="2167136" y="4336150"/>
+            <a:ext cx="1874231" cy="307777"/>
+          </a:xfrm>
+          <a:prstGeom prst="rect">
+            <a:avLst/>
+          </a:prstGeom>
+          <a:noFill/>
+        </p:spPr>
+        <p:txBody>
+          <a:bodyPr wrap="none" rtlCol="0">
+            <a:spAutoFit/>
+          </a:bodyPr>
+          <a:lstStyle/>
+          <a:p>
+            <a:r>
+              <a:rPr lang="zh-TW" altLang="en-US" sz="1400" dirty="0">
+                <a:latin typeface="微軟正黑體" panose="020B0604030504040204" pitchFamily="34" charset="-120"/>
+                <a:ea typeface="微軟正黑體" panose="020B0604030504040204" pitchFamily="34" charset="-120"/>
+              </a:rPr>
+              <a:t>這是傳輸延遲 </a:t>
+            </a:r>
+            <a:r>
+              <a:rPr lang="en-US" altLang="zh-TW" sz="1400" dirty="0">
+                <a:latin typeface="微軟正黑體" panose="020B0604030504040204" pitchFamily="34" charset="-120"/>
+                <a:ea typeface="微軟正黑體" panose="020B0604030504040204" pitchFamily="34" charset="-120"/>
+              </a:rPr>
+              <a:t>(noise)</a:t>
+            </a:r>
+          </a:p>
+        </p:txBody>
+      </p:sp>
+      <p:sp>
+        <p:nvSpPr>
+          <p:cNvPr id="62" name="文字方塊 61">
+            <a:extLst>
+              <a:ext uri="{FF2B5EF4-FFF2-40B4-BE49-F238E27FC236}">
+                <a16:creationId xmlns:a16="http://schemas.microsoft.com/office/drawing/2014/main" id="{F0CA8808-3275-3D81-2A89-94A6C1E32BAF}"/>
+              </a:ext>
+            </a:extLst>
+          </p:cNvPr>
+          <p:cNvSpPr txBox="1"/>
+          <p:nvPr/>
+        </p:nvSpPr>
+        <p:spPr>
+          <a:xfrm>
+            <a:off x="3805351" y="4994717"/>
+            <a:ext cx="3219599" cy="307777"/>
+          </a:xfrm>
+          <a:prstGeom prst="rect">
+            <a:avLst/>
+          </a:prstGeom>
+          <a:noFill/>
+        </p:spPr>
+        <p:txBody>
+          <a:bodyPr wrap="none" rtlCol="0">
+            <a:spAutoFit/>
+          </a:bodyPr>
+          <a:lstStyle/>
+          <a:p>
+            <a:r>
+              <a:rPr lang="zh-TW" altLang="en-US" sz="1400" dirty="0">
+                <a:latin typeface="微軟正黑體" panose="020B0604030504040204" pitchFamily="34" charset="-120"/>
+                <a:ea typeface="微軟正黑體" panose="020B0604030504040204" pitchFamily="34" charset="-120"/>
+              </a:rPr>
+              <a:t>不經過 </a:t>
+            </a:r>
+            <a:r>
+              <a:rPr lang="en-US" altLang="zh-TW" sz="1400" dirty="0">
+                <a:latin typeface="微軟正黑體" panose="020B0604030504040204" pitchFamily="34" charset="-120"/>
+                <a:ea typeface="微軟正黑體" panose="020B0604030504040204" pitchFamily="34" charset="-120"/>
+              </a:rPr>
+              <a:t>Buffer, </a:t>
+            </a:r>
+            <a:r>
+              <a:rPr lang="zh-TW" altLang="en-US" sz="1400" dirty="0">
+                <a:latin typeface="微軟正黑體" panose="020B0604030504040204" pitchFamily="34" charset="-120"/>
+                <a:ea typeface="微軟正黑體" panose="020B0604030504040204" pitchFamily="34" charset="-120"/>
+              </a:rPr>
+              <a:t>直出 </a:t>
+            </a:r>
+            <a:r>
+              <a:rPr lang="en-US" altLang="zh-TW" sz="1400" dirty="0">
+                <a:latin typeface="微軟正黑體" panose="020B0604030504040204" pitchFamily="34" charset="-120"/>
+                <a:ea typeface="微軟正黑體" panose="020B0604030504040204" pitchFamily="34" charset="-120"/>
+              </a:rPr>
+              <a:t>SEND_PASSTHRU</a:t>
+            </a:r>
+          </a:p>
+        </p:txBody>
+      </p:sp>
+      <p:cxnSp>
+        <p:nvCxnSpPr>
+          <p:cNvPr id="63" name="直線接點 62">
+            <a:extLst>
+              <a:ext uri="{FF2B5EF4-FFF2-40B4-BE49-F238E27FC236}">
+                <a16:creationId xmlns:a16="http://schemas.microsoft.com/office/drawing/2014/main" id="{82DAC82B-FA00-0308-228C-3DD4A8282573}"/>
+              </a:ext>
+            </a:extLst>
+          </p:cNvPr>
+          <p:cNvCxnSpPr>
+            <a:cxnSpLocks/>
+          </p:cNvCxnSpPr>
+          <p:nvPr/>
+        </p:nvCxnSpPr>
+        <p:spPr>
+          <a:xfrm>
+            <a:off x="8358388" y="1592614"/>
+            <a:ext cx="0" cy="1597202"/>
+          </a:xfrm>
+          <a:prstGeom prst="line">
+            <a:avLst/>
+          </a:prstGeom>
+          <a:ln>
+            <a:solidFill>
+              <a:schemeClr val="bg1">
+                <a:lumMod val="85000"/>
+              </a:schemeClr>
+            </a:solidFill>
+            <a:prstDash val="dash"/>
+          </a:ln>
+        </p:spPr>
+        <p:style>
+          <a:lnRef idx="1">
+            <a:schemeClr val="accent1"/>
+          </a:lnRef>
+          <a:fillRef idx="0">
+            <a:schemeClr val="accent1"/>
+          </a:fillRef>
+          <a:effectRef idx="0">
+            <a:schemeClr val="accent1"/>
+          </a:effectRef>
+          <a:fontRef idx="minor">
+            <a:schemeClr val="tx1"/>
+          </a:fontRef>
+        </p:style>
+      </p:cxnSp>
+      <p:cxnSp>
+        <p:nvCxnSpPr>
+          <p:cNvPr id="64" name="直線單箭頭接點 63">
+            <a:extLst>
+              <a:ext uri="{FF2B5EF4-FFF2-40B4-BE49-F238E27FC236}">
+                <a16:creationId xmlns:a16="http://schemas.microsoft.com/office/drawing/2014/main" id="{9050346F-FCC6-A2D6-8C76-55E6D0BF1D7D}"/>
+              </a:ext>
+            </a:extLst>
+          </p:cNvPr>
+          <p:cNvCxnSpPr>
+            <a:cxnSpLocks/>
+            <a:endCxn id="22" idx="0"/>
+          </p:cNvCxnSpPr>
+          <p:nvPr/>
+        </p:nvCxnSpPr>
+        <p:spPr>
+          <a:xfrm>
+            <a:off x="7529686" y="1493952"/>
+            <a:ext cx="774883" cy="1678412"/>
+          </a:xfrm>
+          <a:prstGeom prst="straightConnector1">
+            <a:avLst/>
+          </a:prstGeom>
+          <a:ln>
+            <a:tailEnd type="triangle"/>
+          </a:ln>
+        </p:spPr>
+        <p:style>
+          <a:lnRef idx="1">
+            <a:schemeClr val="accent1"/>
+          </a:lnRef>
+          <a:fillRef idx="0">
+            <a:schemeClr val="accent1"/>
+          </a:fillRef>
+          <a:effectRef idx="0">
+            <a:schemeClr val="accent1"/>
+          </a:effectRef>
+          <a:fontRef idx="minor">
+            <a:schemeClr val="tx1"/>
+          </a:fontRef>
+        </p:style>
+      </p:cxnSp>
+      <p:sp>
+        <p:nvSpPr>
+          <p:cNvPr id="66" name="文字方塊 65">
+            <a:extLst>
+              <a:ext uri="{FF2B5EF4-FFF2-40B4-BE49-F238E27FC236}">
+                <a16:creationId xmlns:a16="http://schemas.microsoft.com/office/drawing/2014/main" id="{2BAC0B85-9E09-113C-0532-89368E745330}"/>
+              </a:ext>
+            </a:extLst>
+          </p:cNvPr>
+          <p:cNvSpPr txBox="1"/>
+          <p:nvPr/>
+        </p:nvSpPr>
+        <p:spPr>
+          <a:xfrm>
+            <a:off x="6352770" y="4336150"/>
+            <a:ext cx="1874231" cy="307777"/>
+          </a:xfrm>
+          <a:prstGeom prst="rect">
+            <a:avLst/>
+          </a:prstGeom>
+          <a:noFill/>
+        </p:spPr>
+        <p:txBody>
+          <a:bodyPr wrap="none" rtlCol="0">
+            <a:spAutoFit/>
+          </a:bodyPr>
+          <a:lstStyle/>
+          <a:p>
+            <a:r>
+              <a:rPr lang="zh-TW" altLang="en-US" sz="1400" dirty="0">
+                <a:latin typeface="微軟正黑體" panose="020B0604030504040204" pitchFamily="34" charset="-120"/>
+                <a:ea typeface="微軟正黑體" panose="020B0604030504040204" pitchFamily="34" charset="-120"/>
+              </a:rPr>
+              <a:t>這是傳輸延遲 </a:t>
+            </a:r>
+            <a:r>
+              <a:rPr lang="en-US" altLang="zh-TW" sz="1400" dirty="0">
+                <a:latin typeface="微軟正黑體" panose="020B0604030504040204" pitchFamily="34" charset="-120"/>
+                <a:ea typeface="微軟正黑體" panose="020B0604030504040204" pitchFamily="34" charset="-120"/>
+              </a:rPr>
+              <a:t>(noise)</a:t>
+            </a:r>
+          </a:p>
+        </p:txBody>
+      </p:sp>
+      <p:sp>
+        <p:nvSpPr>
+          <p:cNvPr id="67" name="右大括弧 66">
+            <a:extLst>
+              <a:ext uri="{FF2B5EF4-FFF2-40B4-BE49-F238E27FC236}">
+                <a16:creationId xmlns:a16="http://schemas.microsoft.com/office/drawing/2014/main" id="{F6D8138B-6DB8-0E31-2E07-A5A7D1F4F950}"/>
+              </a:ext>
+            </a:extLst>
+          </p:cNvPr>
+          <p:cNvSpPr/>
+          <p:nvPr/>
+        </p:nvSpPr>
+        <p:spPr>
+          <a:xfrm rot="5400000">
+            <a:off x="9319998" y="3353863"/>
+            <a:ext cx="214593" cy="2022063"/>
+          </a:xfrm>
+          <a:prstGeom prst="rightBrace">
+            <a:avLst/>
+          </a:prstGeom>
+        </p:spPr>
+        <p:style>
+          <a:lnRef idx="1">
+            <a:schemeClr val="accent1"/>
+          </a:lnRef>
+          <a:fillRef idx="0">
+            <a:schemeClr val="accent1"/>
+          </a:fillRef>
+          <a:effectRef idx="0">
+            <a:schemeClr val="accent1"/>
+          </a:effectRef>
+          <a:fontRef idx="minor">
+            <a:schemeClr val="tx1"/>
+          </a:fontRef>
+        </p:style>
+        <p:txBody>
+          <a:bodyPr rtlCol="0" anchor="ctr"/>
+          <a:lstStyle/>
+          <a:p>
+            <a:pPr algn="ctr"/>
+            <a:endParaRPr lang="zh-TW" altLang="en-US"/>
+          </a:p>
+        </p:txBody>
+      </p:sp>
+      <p:cxnSp>
+        <p:nvCxnSpPr>
+          <p:cNvPr id="68" name="直線接點 67">
+            <a:extLst>
+              <a:ext uri="{FF2B5EF4-FFF2-40B4-BE49-F238E27FC236}">
+                <a16:creationId xmlns:a16="http://schemas.microsoft.com/office/drawing/2014/main" id="{15F9A954-329F-B516-0C8D-915321AD12FC}"/>
+              </a:ext>
+            </a:extLst>
+          </p:cNvPr>
+          <p:cNvCxnSpPr>
+            <a:cxnSpLocks/>
+          </p:cNvCxnSpPr>
+          <p:nvPr/>
+        </p:nvCxnSpPr>
+        <p:spPr>
+          <a:xfrm>
+            <a:off x="8358388" y="3845326"/>
+            <a:ext cx="0" cy="1597202"/>
+          </a:xfrm>
+          <a:prstGeom prst="line">
+            <a:avLst/>
+          </a:prstGeom>
+          <a:ln>
+            <a:solidFill>
+              <a:schemeClr val="bg1">
+                <a:lumMod val="85000"/>
+              </a:schemeClr>
+            </a:solidFill>
+            <a:prstDash val="dash"/>
+          </a:ln>
+        </p:spPr>
+        <p:style>
+          <a:lnRef idx="1">
+            <a:schemeClr val="accent1"/>
+          </a:lnRef>
+          <a:fillRef idx="0">
+            <a:schemeClr val="accent1"/>
+          </a:fillRef>
+          <a:effectRef idx="0">
+            <a:schemeClr val="accent1"/>
+          </a:effectRef>
+          <a:fontRef idx="minor">
+            <a:schemeClr val="tx1"/>
+          </a:fontRef>
+        </p:style>
+      </p:cxnSp>
+      <p:cxnSp>
+        <p:nvCxnSpPr>
+          <p:cNvPr id="69" name="直線接點 68">
+            <a:extLst>
+              <a:ext uri="{FF2B5EF4-FFF2-40B4-BE49-F238E27FC236}">
+                <a16:creationId xmlns:a16="http://schemas.microsoft.com/office/drawing/2014/main" id="{C3D9A00A-E359-A2C6-19F5-175EACD9F9E2}"/>
+              </a:ext>
+            </a:extLst>
+          </p:cNvPr>
+          <p:cNvCxnSpPr>
+            <a:cxnSpLocks/>
+          </p:cNvCxnSpPr>
+          <p:nvPr/>
+        </p:nvCxnSpPr>
+        <p:spPr>
+          <a:xfrm>
+            <a:off x="10509160" y="3845326"/>
+            <a:ext cx="0" cy="1597202"/>
+          </a:xfrm>
+          <a:prstGeom prst="line">
+            <a:avLst/>
+          </a:prstGeom>
+          <a:ln>
+            <a:solidFill>
+              <a:schemeClr val="bg1">
+                <a:lumMod val="85000"/>
+              </a:schemeClr>
+            </a:solidFill>
+            <a:prstDash val="dash"/>
+          </a:ln>
+        </p:spPr>
+        <p:style>
+          <a:lnRef idx="1">
+            <a:schemeClr val="accent1"/>
+          </a:lnRef>
+          <a:fillRef idx="0">
+            <a:schemeClr val="accent1"/>
+          </a:fillRef>
+          <a:effectRef idx="0">
+            <a:schemeClr val="accent1"/>
+          </a:effectRef>
+          <a:fontRef idx="minor">
+            <a:schemeClr val="tx1"/>
+          </a:fontRef>
+        </p:style>
+      </p:cxnSp>
+      <p:cxnSp>
+        <p:nvCxnSpPr>
+          <p:cNvPr id="71" name="直線單箭頭接點 70">
+            <a:extLst>
+              <a:ext uri="{FF2B5EF4-FFF2-40B4-BE49-F238E27FC236}">
+                <a16:creationId xmlns:a16="http://schemas.microsoft.com/office/drawing/2014/main" id="{B20770D9-4B66-17D6-D783-EF7FAC789E05}"/>
+              </a:ext>
+            </a:extLst>
+          </p:cNvPr>
+          <p:cNvCxnSpPr>
+            <a:stCxn id="22" idx="2"/>
+            <a:endCxn id="44" idx="0"/>
+          </p:cNvCxnSpPr>
+          <p:nvPr/>
+        </p:nvCxnSpPr>
+        <p:spPr>
+          <a:xfrm>
+            <a:off x="8304569" y="3932215"/>
+            <a:ext cx="2271451" cy="1431832"/>
+          </a:xfrm>
+          <a:prstGeom prst="straightConnector1">
+            <a:avLst/>
+          </a:prstGeom>
+          <a:ln>
+            <a:tailEnd type="triangle"/>
+          </a:ln>
+        </p:spPr>
+        <p:style>
+          <a:lnRef idx="1">
+            <a:schemeClr val="accent1"/>
+          </a:lnRef>
+          <a:fillRef idx="0">
+            <a:schemeClr val="accent1"/>
+          </a:fillRef>
+          <a:effectRef idx="0">
+            <a:schemeClr val="accent1"/>
+          </a:effectRef>
+          <a:fontRef idx="minor">
+            <a:schemeClr val="tx1"/>
+          </a:fontRef>
+        </p:style>
+      </p:cxnSp>
+      <p:sp>
+        <p:nvSpPr>
+          <p:cNvPr id="72" name="文字方塊 71">
+            <a:extLst>
+              <a:ext uri="{FF2B5EF4-FFF2-40B4-BE49-F238E27FC236}">
+                <a16:creationId xmlns:a16="http://schemas.microsoft.com/office/drawing/2014/main" id="{60E2399D-9BD8-E2BD-39B8-8CF516319AFC}"/>
+              </a:ext>
+            </a:extLst>
+          </p:cNvPr>
+          <p:cNvSpPr txBox="1"/>
+          <p:nvPr/>
+        </p:nvSpPr>
+        <p:spPr>
+          <a:xfrm>
+            <a:off x="9227836" y="4513949"/>
+            <a:ext cx="2582758" cy="523220"/>
+          </a:xfrm>
+          <a:prstGeom prst="rect">
+            <a:avLst/>
+          </a:prstGeom>
+          <a:noFill/>
+        </p:spPr>
+        <p:txBody>
+          <a:bodyPr wrap="none" rtlCol="0">
+            <a:spAutoFit/>
+          </a:bodyPr>
+          <a:lstStyle/>
+          <a:p>
+            <a:r>
+              <a:rPr lang="zh-TW" altLang="en-US" sz="1400" dirty="0">
+                <a:latin typeface="微軟正黑體" panose="020B0604030504040204" pitchFamily="34" charset="-120"/>
+                <a:ea typeface="微軟正黑體" panose="020B0604030504040204" pitchFamily="34" charset="-120"/>
+              </a:rPr>
+              <a:t>停留在 </a:t>
+            </a:r>
+            <a:r>
+              <a:rPr lang="en-US" altLang="zh-TW" sz="1400" dirty="0">
+                <a:latin typeface="微軟正黑體" panose="020B0604030504040204" pitchFamily="34" charset="-120"/>
+                <a:ea typeface="微軟正黑體" panose="020B0604030504040204" pitchFamily="34" charset="-120"/>
+              </a:rPr>
+              <a:t>Buffer (</a:t>
+            </a:r>
+            <a:r>
+              <a:rPr lang="zh-TW" altLang="en-US" sz="1400" dirty="0">
+                <a:latin typeface="微軟正黑體" panose="020B0604030504040204" pitchFamily="34" charset="-120"/>
+                <a:ea typeface="微軟正黑體" panose="020B0604030504040204" pitchFamily="34" charset="-120"/>
+              </a:rPr>
+              <a:t>等待 </a:t>
+            </a:r>
+            <a:r>
+              <a:rPr lang="en-US" altLang="zh-TW" sz="1400" dirty="0">
+                <a:latin typeface="微軟正黑體" panose="020B0604030504040204" pitchFamily="34" charset="-120"/>
+                <a:ea typeface="微軟正黑體" panose="020B0604030504040204" pitchFamily="34" charset="-120"/>
+              </a:rPr>
+              <a:t>#2 SEND)</a:t>
+            </a:r>
+          </a:p>
+          <a:p>
+            <a:r>
+              <a:rPr lang="zh-TW" altLang="en-US" sz="1400" dirty="0">
+                <a:latin typeface="微軟正黑體" panose="020B0604030504040204" pitchFamily="34" charset="-120"/>
+                <a:ea typeface="微軟正黑體" panose="020B0604030504040204" pitchFamily="34" charset="-120"/>
+              </a:rPr>
+              <a:t>的延遲時間</a:t>
+            </a:r>
+            <a:endParaRPr lang="en-US" altLang="zh-TW" sz="1400" dirty="0">
+              <a:latin typeface="微軟正黑體" panose="020B0604030504040204" pitchFamily="34" charset="-120"/>
+              <a:ea typeface="微軟正黑體" panose="020B0604030504040204" pitchFamily="34" charset="-120"/>
+            </a:endParaRPr>
+          </a:p>
+        </p:txBody>
+      </p:sp>
+    </p:spTree>
+    <p:extLst>
+      <p:ext uri="{BB962C8B-B14F-4D97-AF65-F5344CB8AC3E}">
+        <p14:creationId xmlns:p14="http://schemas.microsoft.com/office/powerpoint/2010/main" val="3137503683"/>
+      </p:ext>
+    </p:extLst>
+  </p:cSld>
+  <p:clrMapOvr>
+    <a:masterClrMapping/>
+  </p:clrMapOvr>
+</p:sld>
+</file>
+
+<file path=ppt/slides/slide4.xml><?xml version="1.0" encoding="utf-8"?>
+<p:sld xmlns:a="http://schemas.openxmlformats.org/drawingml/2006/main" xmlns:r="http://schemas.openxmlformats.org/officeDocument/2006/relationships" xmlns:p="http://schemas.openxmlformats.org/presentationml/2006/main">
+  <p:cSld>
+    <p:spTree>
+      <p:nvGrpSpPr>
+        <p:cNvPr id="1" name=""/>
+        <p:cNvGrpSpPr/>
+        <p:nvPr/>
+      </p:nvGrpSpPr>
+      <p:grpSpPr>
+        <a:xfrm>
+          <a:off x="0" y="0"/>
+          <a:ext cx="0" cy="0"/>
+          <a:chOff x="0" y="0"/>
+          <a:chExt cx="0" cy="0"/>
+        </a:xfrm>
+      </p:grpSpPr>
+      <p:sp>
+        <p:nvSpPr>
+          <p:cNvPr id="4" name="矩形 3">
+            <a:extLst>
+              <a:ext uri="{FF2B5EF4-FFF2-40B4-BE49-F238E27FC236}">
+                <a16:creationId xmlns:a16="http://schemas.microsoft.com/office/drawing/2014/main" id="{DA6D8205-6444-3471-6B10-2DBE763733F6}"/>
+              </a:ext>
+            </a:extLst>
+          </p:cNvPr>
+          <p:cNvSpPr/>
+          <p:nvPr/>
+        </p:nvSpPr>
+        <p:spPr>
+          <a:xfrm>
+            <a:off x="0" y="0"/>
+            <a:ext cx="12192000" cy="6858000"/>
+          </a:xfrm>
+          <a:prstGeom prst="rect">
+            <a:avLst/>
+          </a:prstGeom>
+          <a:solidFill>
+            <a:schemeClr val="tx2">
+              <a:lumMod val="75000"/>
+            </a:schemeClr>
+          </a:solidFill>
+        </p:spPr>
+        <p:style>
+          <a:lnRef idx="2">
+            <a:schemeClr val="accent1">
+              <a:shade val="15000"/>
+            </a:schemeClr>
+          </a:lnRef>
+          <a:fillRef idx="1">
+            <a:schemeClr val="accent1"/>
+          </a:fillRef>
+          <a:effectRef idx="0">
+            <a:schemeClr val="accent1"/>
+          </a:effectRef>
+          <a:fontRef idx="minor">
+            <a:schemeClr val="lt1"/>
+          </a:fontRef>
+        </p:style>
+        <p:txBody>
+          <a:bodyPr rtlCol="0" anchor="ctr"/>
+          <a:lstStyle/>
+          <a:p>
+            <a:pPr algn="ctr"/>
+            <a:endParaRPr lang="zh-TW" altLang="en-US"/>
+          </a:p>
+        </p:txBody>
+      </p:sp>
+      <p:sp>
+        <p:nvSpPr>
+          <p:cNvPr id="15" name="矩形 14">
+            <a:extLst>
+              <a:ext uri="{FF2B5EF4-FFF2-40B4-BE49-F238E27FC236}">
+                <a16:creationId xmlns:a16="http://schemas.microsoft.com/office/drawing/2014/main" id="{CAE1F601-D527-35CC-88F8-5DF73EE07768}"/>
+              </a:ext>
+            </a:extLst>
+          </p:cNvPr>
+          <p:cNvSpPr/>
+          <p:nvPr/>
+        </p:nvSpPr>
+        <p:spPr>
+          <a:xfrm>
+            <a:off x="965915" y="2620850"/>
+            <a:ext cx="1803042" cy="1616299"/>
+          </a:xfrm>
+          <a:prstGeom prst="rect">
+            <a:avLst/>
+          </a:prstGeom>
+          <a:noFill/>
+          <a:ln w="76200">
+            <a:solidFill>
+              <a:srgbClr val="FFC000"/>
+            </a:solidFill>
+          </a:ln>
+        </p:spPr>
+        <p:style>
+          <a:lnRef idx="2">
+            <a:schemeClr val="accent1">
+              <a:shade val="15000"/>
+            </a:schemeClr>
+          </a:lnRef>
+          <a:fillRef idx="1">
+            <a:schemeClr val="accent1"/>
+          </a:fillRef>
+          <a:effectRef idx="0">
+            <a:schemeClr val="accent1"/>
+          </a:effectRef>
+          <a:fontRef idx="minor">
+            <a:schemeClr val="lt1"/>
+          </a:fontRef>
+        </p:style>
+        <p:txBody>
+          <a:bodyPr rtlCol="0" anchor="ctr"/>
+          <a:lstStyle/>
+          <a:p>
+            <a:pPr algn="ctr"/>
+            <a:endParaRPr lang="zh-TW" altLang="en-US"/>
+          </a:p>
+        </p:txBody>
+      </p:sp>
+      <p:sp>
+        <p:nvSpPr>
+          <p:cNvPr id="21" name="矩形 20">
+            <a:extLst>
+              <a:ext uri="{FF2B5EF4-FFF2-40B4-BE49-F238E27FC236}">
+                <a16:creationId xmlns:a16="http://schemas.microsoft.com/office/drawing/2014/main" id="{C64101D0-87CD-4C0D-29E8-126C2B30AF80}"/>
+              </a:ext>
+            </a:extLst>
+          </p:cNvPr>
+          <p:cNvSpPr/>
+          <p:nvPr/>
+        </p:nvSpPr>
+        <p:spPr>
+          <a:xfrm>
+            <a:off x="3095222" y="2620850"/>
+            <a:ext cx="1803042" cy="1616299"/>
+          </a:xfrm>
+          <a:prstGeom prst="rect">
+            <a:avLst/>
+          </a:prstGeom>
+          <a:noFill/>
+          <a:ln w="76200">
+            <a:solidFill>
+              <a:schemeClr val="accent2">
+                <a:lumMod val="40000"/>
+                <a:lumOff val="60000"/>
+              </a:schemeClr>
+            </a:solidFill>
+          </a:ln>
+        </p:spPr>
+        <p:style>
+          <a:lnRef idx="2">
+            <a:schemeClr val="accent1">
+              <a:shade val="15000"/>
+            </a:schemeClr>
+          </a:lnRef>
+          <a:fillRef idx="1">
+            <a:schemeClr val="accent1"/>
+          </a:fillRef>
+          <a:effectRef idx="0">
+            <a:schemeClr val="accent1"/>
+          </a:effectRef>
+          <a:fontRef idx="minor">
+            <a:schemeClr val="lt1"/>
+          </a:fontRef>
+        </p:style>
+        <p:txBody>
+          <a:bodyPr rtlCol="0" anchor="ctr"/>
+          <a:lstStyle/>
+          <a:p>
+            <a:pPr algn="ctr"/>
+            <a:endParaRPr lang="zh-TW" altLang="en-US"/>
+          </a:p>
+        </p:txBody>
+      </p:sp>
+      <p:sp>
+        <p:nvSpPr>
+          <p:cNvPr id="22" name="矩形 21">
+            <a:extLst>
+              <a:ext uri="{FF2B5EF4-FFF2-40B4-BE49-F238E27FC236}">
+                <a16:creationId xmlns:a16="http://schemas.microsoft.com/office/drawing/2014/main" id="{D65E6431-C272-D912-58C0-4F6BEEC6827B}"/>
+              </a:ext>
+            </a:extLst>
+          </p:cNvPr>
+          <p:cNvSpPr/>
+          <p:nvPr/>
+        </p:nvSpPr>
+        <p:spPr>
+          <a:xfrm>
+            <a:off x="5224529" y="2620850"/>
+            <a:ext cx="1803042" cy="1616299"/>
+          </a:xfrm>
+          <a:prstGeom prst="rect">
+            <a:avLst/>
+          </a:prstGeom>
+          <a:noFill/>
+          <a:ln w="76200">
+            <a:solidFill>
+              <a:schemeClr val="accent2">
+                <a:lumMod val="60000"/>
+                <a:lumOff val="40000"/>
+              </a:schemeClr>
+            </a:solidFill>
+          </a:ln>
+        </p:spPr>
+        <p:style>
+          <a:lnRef idx="2">
+            <a:schemeClr val="accent1">
+              <a:shade val="15000"/>
+            </a:schemeClr>
+          </a:lnRef>
+          <a:fillRef idx="1">
+            <a:schemeClr val="accent1"/>
+          </a:fillRef>
+          <a:effectRef idx="0">
+            <a:schemeClr val="accent1"/>
+          </a:effectRef>
+          <a:fontRef idx="minor">
+            <a:schemeClr val="lt1"/>
+          </a:fontRef>
+        </p:style>
+        <p:txBody>
+          <a:bodyPr rtlCol="0" anchor="ctr"/>
+          <a:lstStyle/>
+          <a:p>
+            <a:pPr algn="ctr"/>
+            <a:endParaRPr lang="zh-TW" altLang="en-US"/>
+          </a:p>
+        </p:txBody>
+      </p:sp>
+      <p:sp>
+        <p:nvSpPr>
+          <p:cNvPr id="24" name="矩形 23">
+            <a:extLst>
+              <a:ext uri="{FF2B5EF4-FFF2-40B4-BE49-F238E27FC236}">
+                <a16:creationId xmlns:a16="http://schemas.microsoft.com/office/drawing/2014/main" id="{F771E035-591E-7241-952D-D41D49FB3F03}"/>
+              </a:ext>
+            </a:extLst>
+          </p:cNvPr>
+          <p:cNvSpPr/>
+          <p:nvPr/>
+        </p:nvSpPr>
+        <p:spPr>
+          <a:xfrm>
+            <a:off x="7298028" y="2620850"/>
+            <a:ext cx="1803042" cy="1616299"/>
+          </a:xfrm>
+          <a:prstGeom prst="rect">
+            <a:avLst/>
+          </a:prstGeom>
+          <a:noFill/>
+          <a:ln w="76200">
+            <a:solidFill>
+              <a:schemeClr val="accent2">
+                <a:lumMod val="75000"/>
+              </a:schemeClr>
+            </a:solidFill>
+          </a:ln>
+        </p:spPr>
+        <p:style>
+          <a:lnRef idx="2">
+            <a:schemeClr val="accent1">
+              <a:shade val="15000"/>
+            </a:schemeClr>
+          </a:lnRef>
+          <a:fillRef idx="1">
+            <a:schemeClr val="accent1"/>
+          </a:fillRef>
+          <a:effectRef idx="0">
+            <a:schemeClr val="accent1"/>
+          </a:effectRef>
+          <a:fontRef idx="minor">
+            <a:schemeClr val="lt1"/>
+          </a:fontRef>
+        </p:style>
+        <p:txBody>
+          <a:bodyPr rtlCol="0" anchor="ctr"/>
+          <a:lstStyle/>
+          <a:p>
+            <a:pPr algn="ctr"/>
+            <a:endParaRPr lang="zh-TW" altLang="en-US"/>
+          </a:p>
+        </p:txBody>
+      </p:sp>
+      <p:sp>
+        <p:nvSpPr>
+          <p:cNvPr id="25" name="矩形 24">
+            <a:extLst>
+              <a:ext uri="{FF2B5EF4-FFF2-40B4-BE49-F238E27FC236}">
+                <a16:creationId xmlns:a16="http://schemas.microsoft.com/office/drawing/2014/main" id="{6F3571DF-6833-2AFC-2459-1A12C503ED81}"/>
+              </a:ext>
+            </a:extLst>
+          </p:cNvPr>
+          <p:cNvSpPr/>
+          <p:nvPr/>
+        </p:nvSpPr>
+        <p:spPr>
+          <a:xfrm>
+            <a:off x="9371527" y="2620850"/>
+            <a:ext cx="1803042" cy="1616299"/>
+          </a:xfrm>
+          <a:prstGeom prst="rect">
+            <a:avLst/>
+          </a:prstGeom>
+          <a:noFill/>
+          <a:ln w="76200">
+            <a:solidFill>
+              <a:schemeClr val="accent2">
+                <a:lumMod val="50000"/>
+              </a:schemeClr>
+            </a:solidFill>
+          </a:ln>
+        </p:spPr>
+        <p:style>
+          <a:lnRef idx="2">
+            <a:schemeClr val="accent1">
+              <a:shade val="15000"/>
+            </a:schemeClr>
+          </a:lnRef>
+          <a:fillRef idx="1">
+            <a:schemeClr val="accent1"/>
+          </a:fillRef>
+          <a:effectRef idx="0">
+            <a:schemeClr val="accent1"/>
+          </a:effectRef>
+          <a:fontRef idx="minor">
+            <a:schemeClr val="lt1"/>
+          </a:fontRef>
+        </p:style>
+        <p:txBody>
+          <a:bodyPr rtlCol="0" anchor="ctr"/>
+          <a:lstStyle/>
+          <a:p>
+            <a:pPr algn="ctr"/>
+            <a:endParaRPr lang="zh-TW" altLang="en-US"/>
+          </a:p>
+        </p:txBody>
+      </p:sp>
+      <p:sp>
+        <p:nvSpPr>
+          <p:cNvPr id="26" name="半框架 25">
+            <a:extLst>
+              <a:ext uri="{FF2B5EF4-FFF2-40B4-BE49-F238E27FC236}">
+                <a16:creationId xmlns:a16="http://schemas.microsoft.com/office/drawing/2014/main" id="{19C4210A-5C84-A473-BDFF-21A436090367}"/>
+              </a:ext>
+            </a:extLst>
+          </p:cNvPr>
+          <p:cNvSpPr/>
+          <p:nvPr/>
+        </p:nvSpPr>
+        <p:spPr>
+          <a:xfrm rot="8125105">
+            <a:off x="2746417" y="3206839"/>
+            <a:ext cx="465786" cy="444321"/>
+          </a:xfrm>
+          <a:prstGeom prst="halfFrame">
+            <a:avLst>
+              <a:gd name="adj1" fmla="val 23495"/>
+              <a:gd name="adj2" fmla="val 23554"/>
+            </a:avLst>
+          </a:prstGeom>
+          <a:solidFill>
+            <a:schemeClr val="accent4">
+              <a:lumMod val="75000"/>
+            </a:schemeClr>
+          </a:solidFill>
+          <a:ln w="28575">
+            <a:solidFill>
+              <a:srgbClr val="002060"/>
+            </a:solidFill>
+          </a:ln>
+        </p:spPr>
+        <p:style>
+          <a:lnRef idx="2">
+            <a:schemeClr val="accent1">
+              <a:shade val="15000"/>
+            </a:schemeClr>
+          </a:lnRef>
+          <a:fillRef idx="1">
+            <a:schemeClr val="accent1"/>
+          </a:fillRef>
+          <a:effectRef idx="0">
+            <a:schemeClr val="accent1"/>
+          </a:effectRef>
+          <a:fontRef idx="minor">
+            <a:schemeClr val="lt1"/>
+          </a:fontRef>
+        </p:style>
+        <p:txBody>
+          <a:bodyPr rtlCol="0" anchor="ctr"/>
+          <a:lstStyle/>
+          <a:p>
+            <a:pPr algn="ctr"/>
+            <a:endParaRPr lang="zh-TW" altLang="en-US">
+              <a:solidFill>
+                <a:schemeClr val="tx1"/>
+              </a:solidFill>
+            </a:endParaRPr>
+          </a:p>
+        </p:txBody>
+      </p:sp>
+      <p:sp>
+        <p:nvSpPr>
+          <p:cNvPr id="27" name="半框架 26">
+            <a:extLst>
+              <a:ext uri="{FF2B5EF4-FFF2-40B4-BE49-F238E27FC236}">
+                <a16:creationId xmlns:a16="http://schemas.microsoft.com/office/drawing/2014/main" id="{4A32A0A3-9E49-58F9-9785-1E517075A94C}"/>
+              </a:ext>
+            </a:extLst>
+          </p:cNvPr>
+          <p:cNvSpPr/>
+          <p:nvPr/>
+        </p:nvSpPr>
+        <p:spPr>
+          <a:xfrm rot="8125105">
+            <a:off x="4856408" y="3206838"/>
+            <a:ext cx="465786" cy="444321"/>
+          </a:xfrm>
+          <a:prstGeom prst="halfFrame">
+            <a:avLst>
+              <a:gd name="adj1" fmla="val 23495"/>
+              <a:gd name="adj2" fmla="val 23554"/>
+            </a:avLst>
+          </a:prstGeom>
+          <a:solidFill>
+            <a:schemeClr val="accent4">
+              <a:lumMod val="60000"/>
+              <a:lumOff val="40000"/>
+            </a:schemeClr>
+          </a:solidFill>
+          <a:ln w="28575">
+            <a:solidFill>
+              <a:srgbClr val="002060"/>
+            </a:solidFill>
+          </a:ln>
+        </p:spPr>
+        <p:style>
+          <a:lnRef idx="2">
+            <a:schemeClr val="accent1">
+              <a:shade val="15000"/>
+            </a:schemeClr>
+          </a:lnRef>
+          <a:fillRef idx="1">
+            <a:schemeClr val="accent1"/>
+          </a:fillRef>
+          <a:effectRef idx="0">
+            <a:schemeClr val="accent1"/>
+          </a:effectRef>
+          <a:fontRef idx="minor">
+            <a:schemeClr val="lt1"/>
+          </a:fontRef>
+        </p:style>
+        <p:txBody>
+          <a:bodyPr rtlCol="0" anchor="ctr"/>
+          <a:lstStyle/>
+          <a:p>
+            <a:pPr algn="ctr"/>
+            <a:endParaRPr lang="zh-TW" altLang="en-US">
+              <a:solidFill>
+                <a:schemeClr val="tx1"/>
+              </a:solidFill>
+            </a:endParaRPr>
+          </a:p>
+        </p:txBody>
+      </p:sp>
+      <p:sp>
+        <p:nvSpPr>
+          <p:cNvPr id="30" name="半框架 29">
+            <a:extLst>
+              <a:ext uri="{FF2B5EF4-FFF2-40B4-BE49-F238E27FC236}">
+                <a16:creationId xmlns:a16="http://schemas.microsoft.com/office/drawing/2014/main" id="{A62E18BB-BFF3-012A-16F3-CAA719BF7E8D}"/>
+              </a:ext>
+            </a:extLst>
+          </p:cNvPr>
+          <p:cNvSpPr/>
+          <p:nvPr/>
+        </p:nvSpPr>
+        <p:spPr>
+          <a:xfrm rot="8125105">
+            <a:off x="6929907" y="3206838"/>
+            <a:ext cx="465786" cy="444321"/>
+          </a:xfrm>
+          <a:prstGeom prst="halfFrame">
+            <a:avLst>
+              <a:gd name="adj1" fmla="val 23495"/>
+              <a:gd name="adj2" fmla="val 23554"/>
+            </a:avLst>
+          </a:prstGeom>
+          <a:solidFill>
+            <a:schemeClr val="accent4">
+              <a:lumMod val="40000"/>
+              <a:lumOff val="60000"/>
+            </a:schemeClr>
+          </a:solidFill>
+          <a:ln w="28575">
+            <a:solidFill>
+              <a:srgbClr val="002060"/>
+            </a:solidFill>
+          </a:ln>
+        </p:spPr>
+        <p:style>
+          <a:lnRef idx="2">
+            <a:schemeClr val="accent1">
+              <a:shade val="15000"/>
+            </a:schemeClr>
+          </a:lnRef>
+          <a:fillRef idx="1">
+            <a:schemeClr val="accent1"/>
+          </a:fillRef>
+          <a:effectRef idx="0">
+            <a:schemeClr val="accent1"/>
+          </a:effectRef>
+          <a:fontRef idx="minor">
+            <a:schemeClr val="lt1"/>
+          </a:fontRef>
+        </p:style>
+        <p:txBody>
+          <a:bodyPr rtlCol="0" anchor="ctr"/>
+          <a:lstStyle/>
+          <a:p>
+            <a:pPr algn="ctr"/>
+            <a:endParaRPr lang="zh-TW" altLang="en-US">
+              <a:solidFill>
+                <a:schemeClr val="tx1"/>
+              </a:solidFill>
+            </a:endParaRPr>
+          </a:p>
+        </p:txBody>
+      </p:sp>
+      <p:sp>
+        <p:nvSpPr>
+          <p:cNvPr id="32" name="半框架 31">
+            <a:extLst>
+              <a:ext uri="{FF2B5EF4-FFF2-40B4-BE49-F238E27FC236}">
+                <a16:creationId xmlns:a16="http://schemas.microsoft.com/office/drawing/2014/main" id="{4EB767F3-2FCA-0236-9164-9719521074BF}"/>
+              </a:ext>
+            </a:extLst>
+          </p:cNvPr>
+          <p:cNvSpPr/>
+          <p:nvPr/>
+        </p:nvSpPr>
+        <p:spPr>
+          <a:xfrm rot="8125105">
+            <a:off x="9016284" y="3206837"/>
+            <a:ext cx="465786" cy="444321"/>
+          </a:xfrm>
+          <a:prstGeom prst="halfFrame">
+            <a:avLst>
+              <a:gd name="adj1" fmla="val 23495"/>
+              <a:gd name="adj2" fmla="val 23554"/>
+            </a:avLst>
+          </a:prstGeom>
+          <a:solidFill>
+            <a:schemeClr val="accent4">
+              <a:lumMod val="20000"/>
+              <a:lumOff val="80000"/>
+            </a:schemeClr>
+          </a:solidFill>
+          <a:ln w="28575">
+            <a:solidFill>
+              <a:srgbClr val="002060"/>
+            </a:solidFill>
+          </a:ln>
+        </p:spPr>
+        <p:style>
+          <a:lnRef idx="2">
+            <a:schemeClr val="accent1">
+              <a:shade val="15000"/>
+            </a:schemeClr>
+          </a:lnRef>
+          <a:fillRef idx="1">
+            <a:schemeClr val="accent1"/>
+          </a:fillRef>
+          <a:effectRef idx="0">
+            <a:schemeClr val="accent1"/>
+          </a:effectRef>
+          <a:fontRef idx="minor">
+            <a:schemeClr val="lt1"/>
+          </a:fontRef>
+        </p:style>
+        <p:txBody>
+          <a:bodyPr rtlCol="0" anchor="ctr"/>
+          <a:lstStyle/>
+          <a:p>
+            <a:pPr algn="ctr"/>
+            <a:endParaRPr lang="zh-TW" altLang="en-US">
+              <a:solidFill>
+                <a:schemeClr val="tx1"/>
+              </a:solidFill>
+            </a:endParaRPr>
+          </a:p>
+        </p:txBody>
+      </p:sp>
+    </p:spTree>
+    <p:extLst>
+      <p:ext uri="{BB962C8B-B14F-4D97-AF65-F5344CB8AC3E}">
+        <p14:creationId xmlns:p14="http://schemas.microsoft.com/office/powerpoint/2010/main" val="3128756616"/>
       </p:ext>
     </p:extLst>
   </p:cSld>
